--- a/doc/lockbox_gui.pptx
+++ b/doc/lockbox_gui.pptx
@@ -4,9 +4,6 @@
   <p:sldMasterIdLst>
     <p:sldMasterId id="2147483648" r:id="rId1"/>
   </p:sldMasterIdLst>
-  <p:notesMasterIdLst>
-    <p:notesMasterId r:id="rId7"/>
-  </p:notesMasterIdLst>
   <p:sldIdLst>
     <p:sldId id="261" r:id="rId2"/>
     <p:sldId id="258" r:id="rId3"/>
@@ -112,651 +109,6 @@
     </a:lvl9pPr>
   </p:defaultTextStyle>
 </p:presentation>
-</file>
-
-<file path=ppt/notesMasters/notesMaster1.xml><?xml version="1.0" encoding="utf-8"?>
-<p:notesMaster xmlns:a="http://schemas.openxmlformats.org/drawingml/2006/main" xmlns:r="http://schemas.openxmlformats.org/officeDocument/2006/relationships" xmlns:p="http://schemas.openxmlformats.org/presentationml/2006/main">
-  <p:cSld>
-    <p:bg>
-      <p:bgRef idx="1001">
-        <a:schemeClr val="bg1"/>
-      </p:bgRef>
-    </p:bg>
-    <p:spTree>
-      <p:nvGrpSpPr>
-        <p:cNvPr id="1" name=""/>
-        <p:cNvGrpSpPr/>
-        <p:nvPr/>
-      </p:nvGrpSpPr>
-      <p:grpSpPr>
-        <a:xfrm>
-          <a:off x="0" y="0"/>
-          <a:ext cx="0" cy="0"/>
-          <a:chOff x="0" y="0"/>
-          <a:chExt cx="0" cy="0"/>
-        </a:xfrm>
-      </p:grpSpPr>
-      <p:sp>
-        <p:nvSpPr>
-          <p:cNvPr id="2" name="Espace réservé de l'en-tête 1"/>
-          <p:cNvSpPr>
-            <a:spLocks noGrp="1"/>
-          </p:cNvSpPr>
-          <p:nvPr>
-            <p:ph type="hdr" sz="quarter"/>
-          </p:nvPr>
-        </p:nvSpPr>
-        <p:spPr>
-          <a:xfrm>
-            <a:off x="0" y="0"/>
-            <a:ext cx="2971800" cy="457200"/>
-          </a:xfrm>
-          <a:prstGeom prst="rect">
-            <a:avLst/>
-          </a:prstGeom>
-        </p:spPr>
-        <p:txBody>
-          <a:bodyPr vert="horz" lIns="91440" tIns="45720" rIns="91440" bIns="45720" rtlCol="0"/>
-          <a:lstStyle>
-            <a:lvl1pPr algn="l">
-              <a:defRPr sz="1200"/>
-            </a:lvl1pPr>
-          </a:lstStyle>
-          <a:p>
-            <a:endParaRPr lang="fr-FR"/>
-          </a:p>
-        </p:txBody>
-      </p:sp>
-      <p:sp>
-        <p:nvSpPr>
-          <p:cNvPr id="3" name="Espace réservé de la date 2"/>
-          <p:cNvSpPr>
-            <a:spLocks noGrp="1"/>
-          </p:cNvSpPr>
-          <p:nvPr>
-            <p:ph type="dt" idx="1"/>
-          </p:nvPr>
-        </p:nvSpPr>
-        <p:spPr>
-          <a:xfrm>
-            <a:off x="3884613" y="0"/>
-            <a:ext cx="2971800" cy="457200"/>
-          </a:xfrm>
-          <a:prstGeom prst="rect">
-            <a:avLst/>
-          </a:prstGeom>
-        </p:spPr>
-        <p:txBody>
-          <a:bodyPr vert="horz" lIns="91440" tIns="45720" rIns="91440" bIns="45720" rtlCol="0"/>
-          <a:lstStyle>
-            <a:lvl1pPr algn="r">
-              <a:defRPr sz="1200"/>
-            </a:lvl1pPr>
-          </a:lstStyle>
-          <a:p>
-            <a:fld id="{ABB80229-3319-4DA5-89C4-C2B5682D00D9}" type="datetimeFigureOut">
-              <a:rPr lang="fr-FR" smtClean="0"/>
-              <a:t>30/11/2016</a:t>
-            </a:fld>
-            <a:endParaRPr lang="fr-FR"/>
-          </a:p>
-        </p:txBody>
-      </p:sp>
-      <p:sp>
-        <p:nvSpPr>
-          <p:cNvPr id="4" name="Espace réservé de l'image des diapositives 3"/>
-          <p:cNvSpPr>
-            <a:spLocks noGrp="1" noRot="1" noChangeAspect="1"/>
-          </p:cNvSpPr>
-          <p:nvPr>
-            <p:ph type="sldImg" idx="2"/>
-          </p:nvPr>
-        </p:nvSpPr>
-        <p:spPr>
-          <a:xfrm>
-            <a:off x="381000" y="685800"/>
-            <a:ext cx="6096000" cy="3429000"/>
-          </a:xfrm>
-          <a:prstGeom prst="rect">
-            <a:avLst/>
-          </a:prstGeom>
-          <a:noFill/>
-          <a:ln w="12700">
-            <a:solidFill>
-              <a:prstClr val="black"/>
-            </a:solidFill>
-          </a:ln>
-        </p:spPr>
-        <p:txBody>
-          <a:bodyPr vert="horz" lIns="91440" tIns="45720" rIns="91440" bIns="45720" rtlCol="0" anchor="ctr"/>
-          <a:lstStyle/>
-          <a:p>
-            <a:endParaRPr lang="fr-FR"/>
-          </a:p>
-        </p:txBody>
-      </p:sp>
-      <p:sp>
-        <p:nvSpPr>
-          <p:cNvPr id="5" name="Espace réservé des commentaires 4"/>
-          <p:cNvSpPr>
-            <a:spLocks noGrp="1"/>
-          </p:cNvSpPr>
-          <p:nvPr>
-            <p:ph type="body" sz="quarter" idx="3"/>
-          </p:nvPr>
-        </p:nvSpPr>
-        <p:spPr>
-          <a:xfrm>
-            <a:off x="685800" y="4343400"/>
-            <a:ext cx="5486400" cy="4114800"/>
-          </a:xfrm>
-          <a:prstGeom prst="rect">
-            <a:avLst/>
-          </a:prstGeom>
-        </p:spPr>
-        <p:txBody>
-          <a:bodyPr vert="horz" lIns="91440" tIns="45720" rIns="91440" bIns="45720" rtlCol="0"/>
-          <a:lstStyle/>
-          <a:p>
-            <a:pPr lvl="0"/>
-            <a:r>
-              <a:rPr lang="fr-FR" smtClean="0"/>
-              <a:t>Modifiez les styles du texte du masque</a:t>
-            </a:r>
-          </a:p>
-          <a:p>
-            <a:pPr lvl="1"/>
-            <a:r>
-              <a:rPr lang="fr-FR" smtClean="0"/>
-              <a:t>Deuxième niveau</a:t>
-            </a:r>
-          </a:p>
-          <a:p>
-            <a:pPr lvl="2"/>
-            <a:r>
-              <a:rPr lang="fr-FR" smtClean="0"/>
-              <a:t>Troisième niveau</a:t>
-            </a:r>
-          </a:p>
-          <a:p>
-            <a:pPr lvl="3"/>
-            <a:r>
-              <a:rPr lang="fr-FR" smtClean="0"/>
-              <a:t>Quatrième niveau</a:t>
-            </a:r>
-          </a:p>
-          <a:p>
-            <a:pPr lvl="4"/>
-            <a:r>
-              <a:rPr lang="fr-FR" smtClean="0"/>
-              <a:t>Cinquième niveau</a:t>
-            </a:r>
-            <a:endParaRPr lang="fr-FR"/>
-          </a:p>
-        </p:txBody>
-      </p:sp>
-      <p:sp>
-        <p:nvSpPr>
-          <p:cNvPr id="6" name="Espace réservé du pied de page 5"/>
-          <p:cNvSpPr>
-            <a:spLocks noGrp="1"/>
-          </p:cNvSpPr>
-          <p:nvPr>
-            <p:ph type="ftr" sz="quarter" idx="4"/>
-          </p:nvPr>
-        </p:nvSpPr>
-        <p:spPr>
-          <a:xfrm>
-            <a:off x="0" y="8685213"/>
-            <a:ext cx="2971800" cy="457200"/>
-          </a:xfrm>
-          <a:prstGeom prst="rect">
-            <a:avLst/>
-          </a:prstGeom>
-        </p:spPr>
-        <p:txBody>
-          <a:bodyPr vert="horz" lIns="91440" tIns="45720" rIns="91440" bIns="45720" rtlCol="0" anchor="b"/>
-          <a:lstStyle>
-            <a:lvl1pPr algn="l">
-              <a:defRPr sz="1200"/>
-            </a:lvl1pPr>
-          </a:lstStyle>
-          <a:p>
-            <a:endParaRPr lang="fr-FR"/>
-          </a:p>
-        </p:txBody>
-      </p:sp>
-      <p:sp>
-        <p:nvSpPr>
-          <p:cNvPr id="7" name="Espace réservé du numéro de diapositive 6"/>
-          <p:cNvSpPr>
-            <a:spLocks noGrp="1"/>
-          </p:cNvSpPr>
-          <p:nvPr>
-            <p:ph type="sldNum" sz="quarter" idx="5"/>
-          </p:nvPr>
-        </p:nvSpPr>
-        <p:spPr>
-          <a:xfrm>
-            <a:off x="3884613" y="8685213"/>
-            <a:ext cx="2971800" cy="457200"/>
-          </a:xfrm>
-          <a:prstGeom prst="rect">
-            <a:avLst/>
-          </a:prstGeom>
-        </p:spPr>
-        <p:txBody>
-          <a:bodyPr vert="horz" lIns="91440" tIns="45720" rIns="91440" bIns="45720" rtlCol="0" anchor="b"/>
-          <a:lstStyle>
-            <a:lvl1pPr algn="r">
-              <a:defRPr sz="1200"/>
-            </a:lvl1pPr>
-          </a:lstStyle>
-          <a:p>
-            <a:fld id="{DF3AF2BD-C589-46E4-917F-9784CD41C52A}" type="slidenum">
-              <a:rPr lang="fr-FR" smtClean="0"/>
-              <a:t>‹N°›</a:t>
-            </a:fld>
-            <a:endParaRPr lang="fr-FR"/>
-          </a:p>
-        </p:txBody>
-      </p:sp>
-    </p:spTree>
-    <p:extLst>
-      <p:ext uri="{BB962C8B-B14F-4D97-AF65-F5344CB8AC3E}">
-        <p14:creationId xmlns:p14="http://schemas.microsoft.com/office/powerpoint/2010/main" val="4248983290"/>
-      </p:ext>
-    </p:extLst>
-  </p:cSld>
-  <p:clrMap bg1="lt1" tx1="dk1" bg2="lt2" tx2="dk2" accent1="accent1" accent2="accent2" accent3="accent3" accent4="accent4" accent5="accent5" accent6="accent6" hlink="hlink" folHlink="folHlink"/>
-  <p:notesStyle>
-    <a:lvl1pPr marL="0" algn="l" defTabSz="914400" rtl="0" eaLnBrk="1" latinLnBrk="0" hangingPunct="1">
-      <a:defRPr sz="1200" kern="1200">
-        <a:solidFill>
-          <a:schemeClr val="tx1"/>
-        </a:solidFill>
-        <a:latin typeface="+mn-lt"/>
-        <a:ea typeface="+mn-ea"/>
-        <a:cs typeface="+mn-cs"/>
-      </a:defRPr>
-    </a:lvl1pPr>
-    <a:lvl2pPr marL="457200" algn="l" defTabSz="914400" rtl="0" eaLnBrk="1" latinLnBrk="0" hangingPunct="1">
-      <a:defRPr sz="1200" kern="1200">
-        <a:solidFill>
-          <a:schemeClr val="tx1"/>
-        </a:solidFill>
-        <a:latin typeface="+mn-lt"/>
-        <a:ea typeface="+mn-ea"/>
-        <a:cs typeface="+mn-cs"/>
-      </a:defRPr>
-    </a:lvl2pPr>
-    <a:lvl3pPr marL="914400" algn="l" defTabSz="914400" rtl="0" eaLnBrk="1" latinLnBrk="0" hangingPunct="1">
-      <a:defRPr sz="1200" kern="1200">
-        <a:solidFill>
-          <a:schemeClr val="tx1"/>
-        </a:solidFill>
-        <a:latin typeface="+mn-lt"/>
-        <a:ea typeface="+mn-ea"/>
-        <a:cs typeface="+mn-cs"/>
-      </a:defRPr>
-    </a:lvl3pPr>
-    <a:lvl4pPr marL="1371600" algn="l" defTabSz="914400" rtl="0" eaLnBrk="1" latinLnBrk="0" hangingPunct="1">
-      <a:defRPr sz="1200" kern="1200">
-        <a:solidFill>
-          <a:schemeClr val="tx1"/>
-        </a:solidFill>
-        <a:latin typeface="+mn-lt"/>
-        <a:ea typeface="+mn-ea"/>
-        <a:cs typeface="+mn-cs"/>
-      </a:defRPr>
-    </a:lvl4pPr>
-    <a:lvl5pPr marL="1828800" algn="l" defTabSz="914400" rtl="0" eaLnBrk="1" latinLnBrk="0" hangingPunct="1">
-      <a:defRPr sz="1200" kern="1200">
-        <a:solidFill>
-          <a:schemeClr val="tx1"/>
-        </a:solidFill>
-        <a:latin typeface="+mn-lt"/>
-        <a:ea typeface="+mn-ea"/>
-        <a:cs typeface="+mn-cs"/>
-      </a:defRPr>
-    </a:lvl5pPr>
-    <a:lvl6pPr marL="2286000" algn="l" defTabSz="914400" rtl="0" eaLnBrk="1" latinLnBrk="0" hangingPunct="1">
-      <a:defRPr sz="1200" kern="1200">
-        <a:solidFill>
-          <a:schemeClr val="tx1"/>
-        </a:solidFill>
-        <a:latin typeface="+mn-lt"/>
-        <a:ea typeface="+mn-ea"/>
-        <a:cs typeface="+mn-cs"/>
-      </a:defRPr>
-    </a:lvl6pPr>
-    <a:lvl7pPr marL="2743200" algn="l" defTabSz="914400" rtl="0" eaLnBrk="1" latinLnBrk="0" hangingPunct="1">
-      <a:defRPr sz="1200" kern="1200">
-        <a:solidFill>
-          <a:schemeClr val="tx1"/>
-        </a:solidFill>
-        <a:latin typeface="+mn-lt"/>
-        <a:ea typeface="+mn-ea"/>
-        <a:cs typeface="+mn-cs"/>
-      </a:defRPr>
-    </a:lvl7pPr>
-    <a:lvl8pPr marL="3200400" algn="l" defTabSz="914400" rtl="0" eaLnBrk="1" latinLnBrk="0" hangingPunct="1">
-      <a:defRPr sz="1200" kern="1200">
-        <a:solidFill>
-          <a:schemeClr val="tx1"/>
-        </a:solidFill>
-        <a:latin typeface="+mn-lt"/>
-        <a:ea typeface="+mn-ea"/>
-        <a:cs typeface="+mn-cs"/>
-      </a:defRPr>
-    </a:lvl8pPr>
-    <a:lvl9pPr marL="3657600" algn="l" defTabSz="914400" rtl="0" eaLnBrk="1" latinLnBrk="0" hangingPunct="1">
-      <a:defRPr sz="1200" kern="1200">
-        <a:solidFill>
-          <a:schemeClr val="tx1"/>
-        </a:solidFill>
-        <a:latin typeface="+mn-lt"/>
-        <a:ea typeface="+mn-ea"/>
-        <a:cs typeface="+mn-cs"/>
-      </a:defRPr>
-    </a:lvl9pPr>
-  </p:notesStyle>
-</p:notesMaster>
-</file>
-
-<file path=ppt/notesSlides/notesSlide1.xml><?xml version="1.0" encoding="utf-8"?>
-<p:notes xmlns:a="http://schemas.openxmlformats.org/drawingml/2006/main" xmlns:r="http://schemas.openxmlformats.org/officeDocument/2006/relationships" xmlns:p="http://schemas.openxmlformats.org/presentationml/2006/main">
-  <p:cSld>
-    <p:spTree>
-      <p:nvGrpSpPr>
-        <p:cNvPr id="1" name=""/>
-        <p:cNvGrpSpPr/>
-        <p:nvPr/>
-      </p:nvGrpSpPr>
-      <p:grpSpPr>
-        <a:xfrm>
-          <a:off x="0" y="0"/>
-          <a:ext cx="0" cy="0"/>
-          <a:chOff x="0" y="0"/>
-          <a:chExt cx="0" cy="0"/>
-        </a:xfrm>
-      </p:grpSpPr>
-      <p:sp>
-        <p:nvSpPr>
-          <p:cNvPr id="2" name="Espace réservé de l'image des diapositives 1"/>
-          <p:cNvSpPr>
-            <a:spLocks noGrp="1" noRot="1" noChangeAspect="1"/>
-          </p:cNvSpPr>
-          <p:nvPr>
-            <p:ph type="sldImg"/>
-          </p:nvPr>
-        </p:nvSpPr>
-        <p:spPr/>
-      </p:sp>
-      <p:sp>
-        <p:nvSpPr>
-          <p:cNvPr id="3" name="Espace réservé des commentaires 2"/>
-          <p:cNvSpPr>
-            <a:spLocks noGrp="1"/>
-          </p:cNvSpPr>
-          <p:nvPr>
-            <p:ph type="body" idx="1"/>
-          </p:nvPr>
-        </p:nvSpPr>
-        <p:spPr/>
-        <p:txBody>
-          <a:bodyPr/>
-          <a:lstStyle/>
-          <a:p>
-            <a:r>
-              <a:rPr lang="en-US" dirty="0" smtClean="0"/>
-              <a:t>Maybe hidden</a:t>
-            </a:r>
-            <a:endParaRPr lang="fr-FR" dirty="0"/>
-          </a:p>
-        </p:txBody>
-      </p:sp>
-      <p:sp>
-        <p:nvSpPr>
-          <p:cNvPr id="4" name="Espace réservé du numéro de diapositive 3"/>
-          <p:cNvSpPr>
-            <a:spLocks noGrp="1"/>
-          </p:cNvSpPr>
-          <p:nvPr>
-            <p:ph type="sldNum" sz="quarter" idx="10"/>
-          </p:nvPr>
-        </p:nvSpPr>
-        <p:spPr/>
-        <p:txBody>
-          <a:bodyPr/>
-          <a:lstStyle/>
-          <a:p>
-            <a:fld id="{DF3AF2BD-C589-46E4-917F-9784CD41C52A}" type="slidenum">
-              <a:rPr lang="fr-FR" smtClean="0"/>
-              <a:t>2</a:t>
-            </a:fld>
-            <a:endParaRPr lang="fr-FR"/>
-          </a:p>
-        </p:txBody>
-      </p:sp>
-    </p:spTree>
-    <p:extLst>
-      <p:ext uri="{BB962C8B-B14F-4D97-AF65-F5344CB8AC3E}">
-        <p14:creationId xmlns:p14="http://schemas.microsoft.com/office/powerpoint/2010/main" val="770134917"/>
-      </p:ext>
-    </p:extLst>
-  </p:cSld>
-  <p:clrMapOvr>
-    <a:masterClrMapping/>
-  </p:clrMapOvr>
-</p:notes>
-</file>
-
-<file path=ppt/notesSlides/notesSlide2.xml><?xml version="1.0" encoding="utf-8"?>
-<p:notes xmlns:a="http://schemas.openxmlformats.org/drawingml/2006/main" xmlns:r="http://schemas.openxmlformats.org/officeDocument/2006/relationships" xmlns:p="http://schemas.openxmlformats.org/presentationml/2006/main">
-  <p:cSld>
-    <p:spTree>
-      <p:nvGrpSpPr>
-        <p:cNvPr id="1" name=""/>
-        <p:cNvGrpSpPr/>
-        <p:nvPr/>
-      </p:nvGrpSpPr>
-      <p:grpSpPr>
-        <a:xfrm>
-          <a:off x="0" y="0"/>
-          <a:ext cx="0" cy="0"/>
-          <a:chOff x="0" y="0"/>
-          <a:chExt cx="0" cy="0"/>
-        </a:xfrm>
-      </p:grpSpPr>
-      <p:sp>
-        <p:nvSpPr>
-          <p:cNvPr id="2" name="Espace réservé de l'image des diapositives 1"/>
-          <p:cNvSpPr>
-            <a:spLocks noGrp="1" noRot="1" noChangeAspect="1"/>
-          </p:cNvSpPr>
-          <p:nvPr>
-            <p:ph type="sldImg"/>
-          </p:nvPr>
-        </p:nvSpPr>
-        <p:spPr/>
-      </p:sp>
-      <p:sp>
-        <p:nvSpPr>
-          <p:cNvPr id="3" name="Espace réservé des commentaires 2"/>
-          <p:cNvSpPr>
-            <a:spLocks noGrp="1"/>
-          </p:cNvSpPr>
-          <p:nvPr>
-            <p:ph type="body" idx="1"/>
-          </p:nvPr>
-        </p:nvSpPr>
-        <p:spPr/>
-        <p:txBody>
-          <a:bodyPr/>
-          <a:lstStyle/>
-          <a:p>
-            <a:r>
-              <a:rPr lang="en-US" dirty="0" err="1" smtClean="0"/>
-              <a:t>Autoshow</a:t>
-            </a:r>
-            <a:r>
-              <a:rPr lang="en-US" dirty="0" smtClean="0"/>
-              <a:t> all calibration data. </a:t>
-            </a:r>
-          </a:p>
-          <a:p>
-            <a:r>
-              <a:rPr lang="en-US" dirty="0" smtClean="0"/>
-              <a:t>Graph de signal + </a:t>
-            </a:r>
-            <a:r>
-              <a:rPr lang="en-US" dirty="0" err="1" smtClean="0"/>
-              <a:t>signal_slope</a:t>
-            </a:r>
-            <a:endParaRPr lang="en-US" dirty="0" smtClean="0"/>
-          </a:p>
-        </p:txBody>
-      </p:sp>
-      <p:sp>
-        <p:nvSpPr>
-          <p:cNvPr id="4" name="Espace réservé du numéro de diapositive 3"/>
-          <p:cNvSpPr>
-            <a:spLocks noGrp="1"/>
-          </p:cNvSpPr>
-          <p:nvPr>
-            <p:ph type="sldNum" sz="quarter" idx="10"/>
-          </p:nvPr>
-        </p:nvSpPr>
-        <p:spPr/>
-        <p:txBody>
-          <a:bodyPr/>
-          <a:lstStyle/>
-          <a:p>
-            <a:fld id="{DF3AF2BD-C589-46E4-917F-9784CD41C52A}" type="slidenum">
-              <a:rPr lang="fr-FR" smtClean="0"/>
-              <a:t>3</a:t>
-            </a:fld>
-            <a:endParaRPr lang="fr-FR"/>
-          </a:p>
-        </p:txBody>
-      </p:sp>
-    </p:spTree>
-    <p:extLst>
-      <p:ext uri="{BB962C8B-B14F-4D97-AF65-F5344CB8AC3E}">
-        <p14:creationId xmlns:p14="http://schemas.microsoft.com/office/powerpoint/2010/main" val="722694958"/>
-      </p:ext>
-    </p:extLst>
-  </p:cSld>
-  <p:clrMapOvr>
-    <a:masterClrMapping/>
-  </p:clrMapOvr>
-</p:notes>
-</file>
-
-<file path=ppt/notesSlides/notesSlide3.xml><?xml version="1.0" encoding="utf-8"?>
-<p:notes xmlns:a="http://schemas.openxmlformats.org/drawingml/2006/main" xmlns:r="http://schemas.openxmlformats.org/officeDocument/2006/relationships" xmlns:p="http://schemas.openxmlformats.org/presentationml/2006/main">
-  <p:cSld>
-    <p:spTree>
-      <p:nvGrpSpPr>
-        <p:cNvPr id="1" name=""/>
-        <p:cNvGrpSpPr/>
-        <p:nvPr/>
-      </p:nvGrpSpPr>
-      <p:grpSpPr>
-        <a:xfrm>
-          <a:off x="0" y="0"/>
-          <a:ext cx="0" cy="0"/>
-          <a:chOff x="0" y="0"/>
-          <a:chExt cx="0" cy="0"/>
-        </a:xfrm>
-      </p:grpSpPr>
-      <p:sp>
-        <p:nvSpPr>
-          <p:cNvPr id="2" name="Espace réservé de l'image des diapositives 1"/>
-          <p:cNvSpPr>
-            <a:spLocks noGrp="1" noRot="1" noChangeAspect="1"/>
-          </p:cNvSpPr>
-          <p:nvPr>
-            <p:ph type="sldImg"/>
-          </p:nvPr>
-        </p:nvSpPr>
-        <p:spPr/>
-      </p:sp>
-      <p:sp>
-        <p:nvSpPr>
-          <p:cNvPr id="3" name="Espace réservé des commentaires 2"/>
-          <p:cNvSpPr>
-            <a:spLocks noGrp="1"/>
-          </p:cNvSpPr>
-          <p:nvPr>
-            <p:ph type="body" idx="1"/>
-          </p:nvPr>
-        </p:nvSpPr>
-        <p:spPr/>
-        <p:txBody>
-          <a:bodyPr/>
-          <a:lstStyle/>
-          <a:p>
-            <a:r>
-              <a:rPr lang="en-US" dirty="0" smtClean="0"/>
-              <a:t>Additional filter</a:t>
-            </a:r>
-            <a:r>
-              <a:rPr lang="en-US" baseline="0" dirty="0" smtClean="0"/>
-              <a:t> + </a:t>
-            </a:r>
-            <a:r>
-              <a:rPr lang="en-US" baseline="0" dirty="0" err="1" smtClean="0"/>
-              <a:t>extramodule</a:t>
-            </a:r>
-            <a:r>
-              <a:rPr lang="en-US" baseline="0" dirty="0" smtClean="0"/>
-              <a:t> is a group on the far right</a:t>
-            </a:r>
-          </a:p>
-          <a:p>
-            <a:r>
-              <a:rPr lang="en-US" baseline="0" dirty="0" smtClean="0"/>
-              <a:t>Assisted design + manual design in the middle</a:t>
-            </a:r>
-          </a:p>
-        </p:txBody>
-      </p:sp>
-      <p:sp>
-        <p:nvSpPr>
-          <p:cNvPr id="4" name="Espace réservé du numéro de diapositive 3"/>
-          <p:cNvSpPr>
-            <a:spLocks noGrp="1"/>
-          </p:cNvSpPr>
-          <p:nvPr>
-            <p:ph type="sldNum" sz="quarter" idx="10"/>
-          </p:nvPr>
-        </p:nvSpPr>
-        <p:spPr/>
-        <p:txBody>
-          <a:bodyPr/>
-          <a:lstStyle/>
-          <a:p>
-            <a:fld id="{DF3AF2BD-C589-46E4-917F-9784CD41C52A}" type="slidenum">
-              <a:rPr lang="fr-FR" smtClean="0"/>
-              <a:t>4</a:t>
-            </a:fld>
-            <a:endParaRPr lang="fr-FR"/>
-          </a:p>
-        </p:txBody>
-      </p:sp>
-    </p:spTree>
-    <p:extLst>
-      <p:ext uri="{BB962C8B-B14F-4D97-AF65-F5344CB8AC3E}">
-        <p14:creationId xmlns:p14="http://schemas.microsoft.com/office/powerpoint/2010/main" val="2054856133"/>
-      </p:ext>
-    </p:extLst>
-  </p:cSld>
-  <p:clrMapOvr>
-    <a:masterClrMapping/>
-  </p:clrMapOvr>
-</p:notes>
 </file>
 
 <file path=ppt/slideLayouts/slideLayout1.xml><?xml version="1.0" encoding="utf-8"?>
@@ -4537,7 +3889,7 @@
         </p:nvSpPr>
         <p:spPr>
           <a:xfrm>
-            <a:off x="7821063" y="454676"/>
+            <a:off x="5303149" y="519526"/>
             <a:ext cx="1145778" cy="2993695"/>
           </a:xfrm>
           <a:prstGeom prst="rect">
@@ -4577,7 +3929,7 @@
         </p:nvSpPr>
         <p:spPr>
           <a:xfrm>
-            <a:off x="7830317" y="1208297"/>
+            <a:off x="5312403" y="1273147"/>
             <a:ext cx="1559665" cy="369332"/>
           </a:xfrm>
           <a:prstGeom prst="rect">
@@ -4679,44 +4031,44 @@
       </p:sp>
       <p:sp>
         <p:nvSpPr>
-          <p:cNvPr id="119" name="ZoneTexte 118"/>
+          <p:cNvPr id="114" name="ZoneTexte 113"/>
           <p:cNvSpPr txBox="1"/>
           <p:nvPr/>
         </p:nvSpPr>
         <p:spPr>
           <a:xfrm>
-            <a:off x="1421427" y="661798"/>
-            <a:ext cx="1320907" cy="307777"/>
-          </a:xfrm>
-          <a:prstGeom prst="rect">
-            <a:avLst/>
-          </a:prstGeom>
-          <a:noFill/>
-        </p:spPr>
-        <p:txBody>
-          <a:bodyPr wrap="square" rtlCol="0">
+            <a:off x="1440681" y="1144840"/>
+            <a:ext cx="665888" cy="276999"/>
+          </a:xfrm>
+          <a:prstGeom prst="rect">
+            <a:avLst/>
+          </a:prstGeom>
+          <a:noFill/>
+        </p:spPr>
+        <p:txBody>
+          <a:bodyPr wrap="none" rtlCol="0">
             <a:spAutoFit/>
           </a:bodyPr>
           <a:lstStyle/>
           <a:p>
             <a:r>
-              <a:rPr lang="fr-FR" sz="1400" dirty="0" err="1" smtClean="0"/>
-              <a:t>Input_signal</a:t>
-            </a:r>
-            <a:endParaRPr lang="en-US" dirty="0"/>
-          </a:p>
-        </p:txBody>
-      </p:sp>
-      <p:sp>
-        <p:nvSpPr>
-          <p:cNvPr id="120" name="Rectangle 119"/>
+              <a:rPr lang="fr-FR" sz="1200" dirty="0" smtClean="0"/>
+              <a:t>DC-gain</a:t>
+            </a:r>
+            <a:endParaRPr lang="en-US" sz="1200" dirty="0"/>
+          </a:p>
+        </p:txBody>
+      </p:sp>
+      <p:sp>
+        <p:nvSpPr>
+          <p:cNvPr id="115" name="Rectangle 114"/>
           <p:cNvSpPr/>
           <p:nvPr/>
         </p:nvSpPr>
         <p:spPr>
           <a:xfrm>
-            <a:off x="1473422" y="940855"/>
-            <a:ext cx="920235" cy="203985"/>
+            <a:off x="1492675" y="1421217"/>
+            <a:ext cx="824089" cy="182880"/>
           </a:xfrm>
           <a:prstGeom prst="rect">
             <a:avLst/>
@@ -4744,36 +4096,85 @@
           <a:lstStyle/>
           <a:p>
             <a:pPr algn="ctr"/>
-            <a:r>
-              <a:rPr lang="en-US" sz="1400" dirty="0" smtClean="0">
-                <a:solidFill>
-                  <a:schemeClr val="tx1"/>
-                </a:solidFill>
-              </a:rPr>
-              <a:t>In1 / adc1</a:t>
-            </a:r>
-            <a:endParaRPr lang="en-US" sz="1400" dirty="0">
-              <a:solidFill>
-                <a:schemeClr val="tx1"/>
-              </a:solidFill>
-            </a:endParaRPr>
-          </a:p>
-        </p:txBody>
-      </p:sp>
-      <p:sp>
-        <p:nvSpPr>
-          <p:cNvPr id="121" name="Rectangle 120"/>
+            <a:endParaRPr lang="en-US" sz="1400"/>
+          </a:p>
+        </p:txBody>
+      </p:sp>
+      <p:sp>
+        <p:nvSpPr>
+          <p:cNvPr id="116" name="ZoneTexte 115"/>
+          <p:cNvSpPr txBox="1"/>
+          <p:nvPr/>
+        </p:nvSpPr>
+        <p:spPr>
+          <a:xfrm>
+            <a:off x="2272687" y="1354805"/>
+            <a:ext cx="839012" cy="307777"/>
+          </a:xfrm>
+          <a:prstGeom prst="rect">
+            <a:avLst/>
+          </a:prstGeom>
+          <a:noFill/>
+        </p:spPr>
+        <p:txBody>
+          <a:bodyPr wrap="none" rtlCol="0">
+            <a:spAutoFit/>
+          </a:bodyPr>
+          <a:lstStyle/>
+          <a:p>
+            <a:r>
+              <a:rPr lang="fr-FR" sz="1400" dirty="0" smtClean="0"/>
+              <a:t>V/*Unit*</a:t>
+            </a:r>
+            <a:endParaRPr lang="en-US" sz="1400" dirty="0"/>
+          </a:p>
+        </p:txBody>
+      </p:sp>
+      <p:sp>
+        <p:nvSpPr>
+          <p:cNvPr id="119" name="ZoneTexte 118"/>
+          <p:cNvSpPr txBox="1"/>
+          <p:nvPr/>
+        </p:nvSpPr>
+        <p:spPr>
+          <a:xfrm>
+            <a:off x="1421428" y="661797"/>
+            <a:ext cx="1001028" cy="307777"/>
+          </a:xfrm>
+          <a:prstGeom prst="rect">
+            <a:avLst/>
+          </a:prstGeom>
+          <a:noFill/>
+        </p:spPr>
+        <p:txBody>
+          <a:bodyPr wrap="square" rtlCol="0">
+            <a:spAutoFit/>
+          </a:bodyPr>
+          <a:lstStyle/>
+          <a:p>
+            <a:r>
+              <a:rPr lang="fr-FR" sz="1400" dirty="0" err="1" smtClean="0"/>
+              <a:t>channel</a:t>
+            </a:r>
+            <a:endParaRPr lang="en-US" dirty="0"/>
+          </a:p>
+        </p:txBody>
+      </p:sp>
+      <p:sp>
+        <p:nvSpPr>
+          <p:cNvPr id="120" name="Rectangle 119"/>
           <p:cNvSpPr/>
           <p:nvPr/>
         </p:nvSpPr>
         <p:spPr>
           <a:xfrm>
-            <a:off x="1421428" y="3087281"/>
-            <a:ext cx="1602219" cy="325783"/>
-          </a:xfrm>
-          <a:prstGeom prst="rect">
-            <a:avLst/>
-          </a:prstGeom>
+            <a:off x="1473422" y="940855"/>
+            <a:ext cx="824089" cy="182880"/>
+          </a:xfrm>
+          <a:prstGeom prst="rect">
+            <a:avLst/>
+          </a:prstGeom>
+          <a:noFill/>
         </p:spPr>
         <p:style>
           <a:lnRef idx="2">
@@ -4796,58 +4197,24 @@
           <a:lstStyle/>
           <a:p>
             <a:pPr algn="ctr"/>
-            <a:endParaRPr lang="en-US"/>
-          </a:p>
-        </p:txBody>
-      </p:sp>
-      <p:sp>
-        <p:nvSpPr>
-          <p:cNvPr id="122" name="ZoneTexte 121"/>
-          <p:cNvSpPr txBox="1"/>
-          <p:nvPr/>
-        </p:nvSpPr>
-        <p:spPr>
-          <a:xfrm>
-            <a:off x="1658355" y="3079039"/>
-            <a:ext cx="1446823" cy="369332"/>
-          </a:xfrm>
-          <a:prstGeom prst="rect">
-            <a:avLst/>
-          </a:prstGeom>
-          <a:noFill/>
-        </p:spPr>
-        <p:txBody>
-          <a:bodyPr wrap="square" rtlCol="0">
-            <a:spAutoFit/>
-          </a:bodyPr>
-          <a:lstStyle/>
-          <a:p>
-            <a:r>
-              <a:rPr lang="fr-FR" dirty="0" err="1" smtClean="0"/>
-              <a:t>Calibrate</a:t>
-            </a:r>
-            <a:endParaRPr lang="en-US" dirty="0"/>
-          </a:p>
-        </p:txBody>
-      </p:sp>
-      <p:sp>
-        <p:nvSpPr>
-          <p:cNvPr id="21" name="Rectangle 20"/>
+            <a:endParaRPr lang="en-US" sz="1400"/>
+          </a:p>
+        </p:txBody>
+      </p:sp>
+      <p:sp>
+        <p:nvSpPr>
+          <p:cNvPr id="121" name="Rectangle 120"/>
           <p:cNvSpPr/>
           <p:nvPr/>
         </p:nvSpPr>
         <p:spPr>
           <a:xfrm>
-            <a:off x="3224091" y="519526"/>
-            <a:ext cx="1802663" cy="2993695"/>
-          </a:xfrm>
-          <a:prstGeom prst="rect">
-            <a:avLst/>
-          </a:prstGeom>
-          <a:noFill/>
-          <a:ln>
-            <a:prstDash val="dashDot"/>
-          </a:ln>
+            <a:off x="1421428" y="3087281"/>
+            <a:ext cx="1602219" cy="325783"/>
+          </a:xfrm>
+          <a:prstGeom prst="rect">
+            <a:avLst/>
+          </a:prstGeom>
         </p:spPr>
         <p:style>
           <a:lnRef idx="2">
@@ -4876,14 +4243,14 @@
       </p:sp>
       <p:sp>
         <p:nvSpPr>
-          <p:cNvPr id="22" name="ZoneTexte 21"/>
+          <p:cNvPr id="122" name="ZoneTexte 121"/>
           <p:cNvSpPr txBox="1"/>
           <p:nvPr/>
         </p:nvSpPr>
         <p:spPr>
           <a:xfrm>
-            <a:off x="3299391" y="355319"/>
-            <a:ext cx="2379141" cy="307777"/>
+            <a:off x="1658355" y="3079039"/>
+            <a:ext cx="1446823" cy="369332"/>
           </a:xfrm>
           <a:prstGeom prst="rect">
             <a:avLst/>
@@ -4897,38 +4264,8 @@
           <a:lstStyle/>
           <a:p>
             <a:r>
-              <a:rPr lang="fr-FR" sz="1400" dirty="0" smtClean="0"/>
-              <a:t>PDH (FPM)</a:t>
-            </a:r>
-            <a:endParaRPr lang="en-US" sz="1400" dirty="0"/>
-          </a:p>
-        </p:txBody>
-      </p:sp>
-      <p:sp>
-        <p:nvSpPr>
-          <p:cNvPr id="26" name="ZoneTexte 25"/>
-          <p:cNvSpPr txBox="1"/>
-          <p:nvPr/>
-        </p:nvSpPr>
-        <p:spPr>
-          <a:xfrm>
-            <a:off x="3336483" y="661797"/>
-            <a:ext cx="1152478" cy="307777"/>
-          </a:xfrm>
-          <a:prstGeom prst="rect">
-            <a:avLst/>
-          </a:prstGeom>
-          <a:noFill/>
-        </p:spPr>
-        <p:txBody>
-          <a:bodyPr wrap="square" rtlCol="0">
-            <a:spAutoFit/>
-          </a:bodyPr>
-          <a:lstStyle/>
-          <a:p>
-            <a:r>
-              <a:rPr lang="fr-FR" sz="1400" dirty="0" err="1" smtClean="0"/>
-              <a:t>Input_signal</a:t>
+              <a:rPr lang="fr-FR" dirty="0" err="1" smtClean="0"/>
+              <a:t>Calibrate</a:t>
             </a:r>
             <a:endParaRPr lang="en-US" dirty="0"/>
           </a:p>
@@ -4936,19 +4273,22 @@
       </p:sp>
       <p:sp>
         <p:nvSpPr>
-          <p:cNvPr id="27" name="Rectangle 26"/>
+          <p:cNvPr id="21" name="Rectangle 20"/>
           <p:cNvSpPr/>
           <p:nvPr/>
         </p:nvSpPr>
         <p:spPr>
           <a:xfrm>
-            <a:off x="3388477" y="940855"/>
-            <a:ext cx="824089" cy="182880"/>
-          </a:xfrm>
-          <a:prstGeom prst="rect">
-            <a:avLst/>
-          </a:prstGeom>
-          <a:noFill/>
+            <a:off x="3224091" y="519526"/>
+            <a:ext cx="1802663" cy="2993695"/>
+          </a:xfrm>
+          <a:prstGeom prst="rect">
+            <a:avLst/>
+          </a:prstGeom>
+          <a:noFill/>
+          <a:ln>
+            <a:prstDash val="dashDot"/>
+          </a:ln>
         </p:spPr>
         <p:style>
           <a:lnRef idx="2">
@@ -4971,36 +4311,85 @@
           <a:lstStyle/>
           <a:p>
             <a:pPr algn="ctr"/>
-            <a:r>
-              <a:rPr lang="en-US" sz="1400" dirty="0" smtClean="0">
-                <a:solidFill>
-                  <a:schemeClr val="tx1"/>
-                </a:solidFill>
-              </a:rPr>
-              <a:t>IQ</a:t>
-            </a:r>
-            <a:endParaRPr lang="en-US" sz="1400" dirty="0">
-              <a:solidFill>
-                <a:schemeClr val="tx1"/>
-              </a:solidFill>
-            </a:endParaRPr>
-          </a:p>
-        </p:txBody>
-      </p:sp>
-      <p:sp>
-        <p:nvSpPr>
-          <p:cNvPr id="28" name="Rectangle 27"/>
+            <a:endParaRPr lang="en-US"/>
+          </a:p>
+        </p:txBody>
+      </p:sp>
+      <p:sp>
+        <p:nvSpPr>
+          <p:cNvPr id="22" name="ZoneTexte 21"/>
+          <p:cNvSpPr txBox="1"/>
+          <p:nvPr/>
+        </p:nvSpPr>
+        <p:spPr>
+          <a:xfrm>
+            <a:off x="3299391" y="355319"/>
+            <a:ext cx="2379141" cy="307777"/>
+          </a:xfrm>
+          <a:prstGeom prst="rect">
+            <a:avLst/>
+          </a:prstGeom>
+          <a:noFill/>
+        </p:spPr>
+        <p:txBody>
+          <a:bodyPr wrap="square" rtlCol="0">
+            <a:spAutoFit/>
+          </a:bodyPr>
+          <a:lstStyle/>
+          <a:p>
+            <a:r>
+              <a:rPr lang="fr-FR" sz="1400" dirty="0" smtClean="0"/>
+              <a:t>PDH (FPM)</a:t>
+            </a:r>
+            <a:endParaRPr lang="en-US" sz="1400" dirty="0"/>
+          </a:p>
+        </p:txBody>
+      </p:sp>
+      <p:sp>
+        <p:nvSpPr>
+          <p:cNvPr id="23" name="ZoneTexte 22"/>
+          <p:cNvSpPr txBox="1"/>
+          <p:nvPr/>
+        </p:nvSpPr>
+        <p:spPr>
+          <a:xfrm>
+            <a:off x="3355736" y="1144840"/>
+            <a:ext cx="665888" cy="276999"/>
+          </a:xfrm>
+          <a:prstGeom prst="rect">
+            <a:avLst/>
+          </a:prstGeom>
+          <a:noFill/>
+        </p:spPr>
+        <p:txBody>
+          <a:bodyPr wrap="none" rtlCol="0">
+            <a:spAutoFit/>
+          </a:bodyPr>
+          <a:lstStyle/>
+          <a:p>
+            <a:r>
+              <a:rPr lang="fr-FR" sz="1200" dirty="0" smtClean="0"/>
+              <a:t>DC-gain</a:t>
+            </a:r>
+            <a:endParaRPr lang="en-US" sz="1200" dirty="0"/>
+          </a:p>
+        </p:txBody>
+      </p:sp>
+      <p:sp>
+        <p:nvSpPr>
+          <p:cNvPr id="24" name="Rectangle 23"/>
           <p:cNvSpPr/>
           <p:nvPr/>
         </p:nvSpPr>
         <p:spPr>
           <a:xfrm>
-            <a:off x="3336483" y="3102780"/>
-            <a:ext cx="1602219" cy="325783"/>
-          </a:xfrm>
-          <a:prstGeom prst="rect">
-            <a:avLst/>
-          </a:prstGeom>
+            <a:off x="3407730" y="1421217"/>
+            <a:ext cx="824089" cy="182880"/>
+          </a:xfrm>
+          <a:prstGeom prst="rect">
+            <a:avLst/>
+          </a:prstGeom>
+          <a:noFill/>
         </p:spPr>
         <p:style>
           <a:lnRef idx="2">
@@ -5023,20 +4412,50 @@
           <a:lstStyle/>
           <a:p>
             <a:pPr algn="ctr"/>
-            <a:endParaRPr lang="en-US"/>
-          </a:p>
-        </p:txBody>
-      </p:sp>
-      <p:sp>
-        <p:nvSpPr>
-          <p:cNvPr id="29" name="ZoneTexte 28"/>
+            <a:endParaRPr lang="en-US" sz="1400"/>
+          </a:p>
+        </p:txBody>
+      </p:sp>
+      <p:sp>
+        <p:nvSpPr>
+          <p:cNvPr id="25" name="ZoneTexte 24"/>
           <p:cNvSpPr txBox="1"/>
           <p:nvPr/>
         </p:nvSpPr>
         <p:spPr>
           <a:xfrm>
-            <a:off x="3573410" y="3094538"/>
-            <a:ext cx="1446823" cy="369332"/>
+            <a:off x="4187742" y="1354805"/>
+            <a:ext cx="839012" cy="307777"/>
+          </a:xfrm>
+          <a:prstGeom prst="rect">
+            <a:avLst/>
+          </a:prstGeom>
+          <a:noFill/>
+        </p:spPr>
+        <p:txBody>
+          <a:bodyPr wrap="none" rtlCol="0">
+            <a:spAutoFit/>
+          </a:bodyPr>
+          <a:lstStyle/>
+          <a:p>
+            <a:r>
+              <a:rPr lang="fr-FR" sz="1400" dirty="0" smtClean="0"/>
+              <a:t>V/*Unit*</a:t>
+            </a:r>
+            <a:endParaRPr lang="en-US" sz="1400" dirty="0"/>
+          </a:p>
+        </p:txBody>
+      </p:sp>
+      <p:sp>
+        <p:nvSpPr>
+          <p:cNvPr id="26" name="ZoneTexte 25"/>
+          <p:cNvSpPr txBox="1"/>
+          <p:nvPr/>
+        </p:nvSpPr>
+        <p:spPr>
+          <a:xfrm>
+            <a:off x="3336483" y="661797"/>
+            <a:ext cx="1001028" cy="307777"/>
           </a:xfrm>
           <a:prstGeom prst="rect">
             <a:avLst/>
@@ -5050,8 +4469,8 @@
           <a:lstStyle/>
           <a:p>
             <a:r>
-              <a:rPr lang="fr-FR" dirty="0" err="1" smtClean="0"/>
-              <a:t>Calibrate</a:t>
+              <a:rPr lang="fr-FR" sz="1400" dirty="0" err="1" smtClean="0"/>
+              <a:t>channel</a:t>
             </a:r>
             <a:endParaRPr lang="en-US" dirty="0"/>
           </a:p>
@@ -5059,43 +4478,13 @@
       </p:sp>
       <p:sp>
         <p:nvSpPr>
-          <p:cNvPr id="30" name="ZoneTexte 29"/>
-          <p:cNvSpPr txBox="1"/>
-          <p:nvPr/>
-        </p:nvSpPr>
-        <p:spPr>
-          <a:xfrm>
-            <a:off x="3379363" y="1776267"/>
-            <a:ext cx="1001028" cy="307777"/>
-          </a:xfrm>
-          <a:prstGeom prst="rect">
-            <a:avLst/>
-          </a:prstGeom>
-          <a:noFill/>
-        </p:spPr>
-        <p:txBody>
-          <a:bodyPr wrap="square" rtlCol="0">
-            <a:spAutoFit/>
-          </a:bodyPr>
-          <a:lstStyle/>
-          <a:p>
-            <a:r>
-              <a:rPr lang="fr-FR" sz="1400" dirty="0" err="1" smtClean="0"/>
-              <a:t>freq</a:t>
-            </a:r>
-            <a:endParaRPr lang="en-US" dirty="0"/>
-          </a:p>
-        </p:txBody>
-      </p:sp>
-      <p:sp>
-        <p:nvSpPr>
-          <p:cNvPr id="31" name="Rectangle 30"/>
+          <p:cNvPr id="27" name="Rectangle 26"/>
           <p:cNvSpPr/>
           <p:nvPr/>
         </p:nvSpPr>
         <p:spPr>
           <a:xfrm>
-            <a:off x="3418105" y="2015569"/>
+            <a:off x="3388477" y="940855"/>
             <a:ext cx="824089" cy="182880"/>
           </a:xfrm>
           <a:prstGeom prst="rect">
@@ -5130,49 +4519,18 @@
       </p:sp>
       <p:sp>
         <p:nvSpPr>
-          <p:cNvPr id="32" name="ZoneTexte 31"/>
-          <p:cNvSpPr txBox="1"/>
-          <p:nvPr/>
-        </p:nvSpPr>
-        <p:spPr>
-          <a:xfrm>
-            <a:off x="3380643" y="2131634"/>
-            <a:ext cx="1001028" cy="307777"/>
-          </a:xfrm>
-          <a:prstGeom prst="rect">
-            <a:avLst/>
-          </a:prstGeom>
-          <a:noFill/>
-        </p:spPr>
-        <p:txBody>
-          <a:bodyPr wrap="square" rtlCol="0">
-            <a:spAutoFit/>
-          </a:bodyPr>
-          <a:lstStyle/>
-          <a:p>
-            <a:r>
-              <a:rPr lang="fr-FR" sz="1400" dirty="0" smtClean="0"/>
-              <a:t>amplitude</a:t>
-            </a:r>
-            <a:endParaRPr lang="en-US" dirty="0"/>
-          </a:p>
-        </p:txBody>
-      </p:sp>
-      <p:sp>
-        <p:nvSpPr>
-          <p:cNvPr id="33" name="Rectangle 32"/>
+          <p:cNvPr id="28" name="Rectangle 27"/>
           <p:cNvSpPr/>
           <p:nvPr/>
         </p:nvSpPr>
         <p:spPr>
           <a:xfrm>
-            <a:off x="3432637" y="2410692"/>
-            <a:ext cx="824089" cy="182880"/>
-          </a:xfrm>
-          <a:prstGeom prst="rect">
-            <a:avLst/>
-          </a:prstGeom>
-          <a:noFill/>
+            <a:off x="3336483" y="3102780"/>
+            <a:ext cx="1602219" cy="325783"/>
+          </a:xfrm>
+          <a:prstGeom prst="rect">
+            <a:avLst/>
+          </a:prstGeom>
         </p:spPr>
         <p:style>
           <a:lnRef idx="2">
@@ -5195,20 +4553,20 @@
           <a:lstStyle/>
           <a:p>
             <a:pPr algn="ctr"/>
-            <a:endParaRPr lang="en-US" sz="1400"/>
-          </a:p>
-        </p:txBody>
-      </p:sp>
-      <p:sp>
-        <p:nvSpPr>
-          <p:cNvPr id="34" name="ZoneTexte 33"/>
+            <a:endParaRPr lang="en-US"/>
+          </a:p>
+        </p:txBody>
+      </p:sp>
+      <p:sp>
+        <p:nvSpPr>
+          <p:cNvPr id="29" name="ZoneTexte 28"/>
           <p:cNvSpPr txBox="1"/>
           <p:nvPr/>
         </p:nvSpPr>
         <p:spPr>
           <a:xfrm>
-            <a:off x="3407344" y="2561904"/>
-            <a:ext cx="1001028" cy="307777"/>
+            <a:off x="3573410" y="3094538"/>
+            <a:ext cx="1446823" cy="369332"/>
           </a:xfrm>
           <a:prstGeom prst="rect">
             <a:avLst/>
@@ -5222,8 +4580,8 @@
           <a:lstStyle/>
           <a:p>
             <a:r>
-              <a:rPr lang="fr-FR" sz="1400" dirty="0" smtClean="0"/>
-              <a:t>Phase</a:t>
+              <a:rPr lang="fr-FR" dirty="0" err="1" smtClean="0"/>
+              <a:t>Calibrate</a:t>
             </a:r>
             <a:endParaRPr lang="en-US" dirty="0"/>
           </a:p>
@@ -5231,13 +4589,43 @@
       </p:sp>
       <p:sp>
         <p:nvSpPr>
-          <p:cNvPr id="35" name="Rectangle 34"/>
+          <p:cNvPr id="30" name="ZoneTexte 29"/>
+          <p:cNvSpPr txBox="1"/>
+          <p:nvPr/>
+        </p:nvSpPr>
+        <p:spPr>
+          <a:xfrm>
+            <a:off x="3366111" y="1643747"/>
+            <a:ext cx="1001028" cy="307777"/>
+          </a:xfrm>
+          <a:prstGeom prst="rect">
+            <a:avLst/>
+          </a:prstGeom>
+          <a:noFill/>
+        </p:spPr>
+        <p:txBody>
+          <a:bodyPr wrap="square" rtlCol="0">
+            <a:spAutoFit/>
+          </a:bodyPr>
+          <a:lstStyle/>
+          <a:p>
+            <a:r>
+              <a:rPr lang="fr-FR" sz="1400" dirty="0" err="1" smtClean="0"/>
+              <a:t>freq</a:t>
+            </a:r>
+            <a:endParaRPr lang="en-US" dirty="0"/>
+          </a:p>
+        </p:txBody>
+      </p:sp>
+      <p:sp>
+        <p:nvSpPr>
+          <p:cNvPr id="31" name="Rectangle 30"/>
           <p:cNvSpPr/>
           <p:nvPr/>
         </p:nvSpPr>
         <p:spPr>
           <a:xfrm>
-            <a:off x="3459338" y="2840962"/>
+            <a:off x="3418105" y="1922805"/>
             <a:ext cx="824089" cy="182880"/>
           </a:xfrm>
           <a:prstGeom prst="rect">
@@ -5272,14 +4660,14 @@
       </p:sp>
       <p:sp>
         <p:nvSpPr>
-          <p:cNvPr id="36" name="ZoneTexte 35"/>
+          <p:cNvPr id="32" name="ZoneTexte 31"/>
           <p:cNvSpPr txBox="1"/>
           <p:nvPr/>
         </p:nvSpPr>
         <p:spPr>
           <a:xfrm>
-            <a:off x="3374706" y="1142037"/>
-            <a:ext cx="1563996" cy="307777"/>
+            <a:off x="3380643" y="2131634"/>
+            <a:ext cx="1001028" cy="307777"/>
           </a:xfrm>
           <a:prstGeom prst="rect">
             <a:avLst/>
@@ -5294,38 +4682,27 @@
           <a:p>
             <a:r>
               <a:rPr lang="fr-FR" sz="1400" dirty="0" smtClean="0"/>
-              <a:t>Configuration</a:t>
-            </a:r>
-          </a:p>
-        </p:txBody>
-      </p:sp>
-      <p:sp>
-        <p:nvSpPr>
-          <p:cNvPr id="2" name="Légende encadrée 1 1"/>
+              <a:t>amplitude</a:t>
+            </a:r>
+            <a:endParaRPr lang="en-US" dirty="0"/>
+          </a:p>
+        </p:txBody>
+      </p:sp>
+      <p:sp>
+        <p:nvSpPr>
+          <p:cNvPr id="33" name="Rectangle 32"/>
           <p:cNvSpPr/>
           <p:nvPr/>
         </p:nvSpPr>
         <p:spPr>
           <a:xfrm>
-            <a:off x="895957" y="4154492"/>
-            <a:ext cx="3941707" cy="1969413"/>
-          </a:xfrm>
-          <a:prstGeom prst="borderCallout1">
-            <a:avLst>
-              <a:gd name="adj1" fmla="val 37214"/>
-              <a:gd name="adj2" fmla="val 958"/>
-              <a:gd name="adj3" fmla="val -151793"/>
-              <a:gd name="adj4" fmla="val 64973"/>
-            </a:avLst>
-          </a:prstGeom>
-          <a:solidFill>
-            <a:schemeClr val="tx1"/>
-          </a:solidFill>
-          <a:ln>
-            <a:solidFill>
-              <a:schemeClr val="tx1"/>
-            </a:solidFill>
-          </a:ln>
+            <a:off x="3432637" y="2410692"/>
+            <a:ext cx="824089" cy="182880"/>
+          </a:xfrm>
+          <a:prstGeom prst="rect">
+            <a:avLst/>
+          </a:prstGeom>
+          <a:noFill/>
         </p:spPr>
         <p:style>
           <a:lnRef idx="2">
@@ -5347,69 +4724,56 @@
           <a:bodyPr rtlCol="0" anchor="ctr"/>
           <a:lstStyle/>
           <a:p>
-            <a:r>
-              <a:rPr lang="en-US" dirty="0" smtClean="0"/>
-              <a:t>show </a:t>
-            </a:r>
-            <a:r>
-              <a:rPr lang="en-US" dirty="0"/>
-              <a:t>all setup arguments </a:t>
-            </a:r>
-          </a:p>
-          <a:p>
-            <a:r>
-              <a:rPr lang="en-US" dirty="0"/>
-              <a:t>of </a:t>
-            </a:r>
-            <a:r>
-              <a:rPr lang="en-US" dirty="0" smtClean="0"/>
-              <a:t>PDH-IQ module here with defaults (let model provide a </a:t>
-            </a:r>
-            <a:r>
-              <a:rPr lang="en-US" dirty="0" err="1" smtClean="0"/>
-              <a:t>dict</a:t>
-            </a:r>
-            <a:r>
-              <a:rPr lang="en-US" dirty="0" smtClean="0"/>
-              <a:t> of module parameters, along with the possibility to hide parameters from </a:t>
-            </a:r>
-            <a:r>
-              <a:rPr lang="en-US" dirty="0" err="1" smtClean="0"/>
-              <a:t>gui</a:t>
-            </a:r>
-            <a:r>
-              <a:rPr lang="en-US" dirty="0" smtClean="0"/>
-              <a:t> by appending “_hidden” to the keyword, i.e. “</a:t>
-            </a:r>
-            <a:r>
-              <a:rPr lang="en-US" dirty="0" err="1" smtClean="0"/>
-              <a:t>output_signal_hidden</a:t>
-            </a:r>
-            <a:r>
-              <a:rPr lang="en-US" dirty="0" smtClean="0"/>
-              <a:t>”: “quadrature”</a:t>
-            </a:r>
-          </a:p>
-        </p:txBody>
-      </p:sp>
-      <p:sp>
-        <p:nvSpPr>
-          <p:cNvPr id="49" name="Rectangle 48"/>
+            <a:pPr algn="ctr"/>
+            <a:endParaRPr lang="en-US" sz="1400"/>
+          </a:p>
+        </p:txBody>
+      </p:sp>
+      <p:sp>
+        <p:nvSpPr>
+          <p:cNvPr id="34" name="ZoneTexte 33"/>
+          <p:cNvSpPr txBox="1"/>
+          <p:nvPr/>
+        </p:nvSpPr>
+        <p:spPr>
+          <a:xfrm>
+            <a:off x="3407344" y="2561904"/>
+            <a:ext cx="1001028" cy="307777"/>
+          </a:xfrm>
+          <a:prstGeom prst="rect">
+            <a:avLst/>
+          </a:prstGeom>
+          <a:noFill/>
+        </p:spPr>
+        <p:txBody>
+          <a:bodyPr wrap="square" rtlCol="0">
+            <a:spAutoFit/>
+          </a:bodyPr>
+          <a:lstStyle/>
+          <a:p>
+            <a:r>
+              <a:rPr lang="fr-FR" sz="1400" dirty="0" smtClean="0"/>
+              <a:t>Phase</a:t>
+            </a:r>
+            <a:endParaRPr lang="en-US" dirty="0"/>
+          </a:p>
+        </p:txBody>
+      </p:sp>
+      <p:sp>
+        <p:nvSpPr>
+          <p:cNvPr id="35" name="Rectangle 34"/>
           <p:cNvSpPr/>
           <p:nvPr/>
         </p:nvSpPr>
         <p:spPr>
           <a:xfrm>
-            <a:off x="5284798" y="499650"/>
-            <a:ext cx="1802663" cy="2993695"/>
-          </a:xfrm>
-          <a:prstGeom prst="rect">
-            <a:avLst/>
-          </a:prstGeom>
-          <a:noFill/>
-          <a:ln>
-            <a:prstDash val="dashDot"/>
-          </a:ln>
+            <a:off x="3459338" y="2840962"/>
+            <a:ext cx="824089" cy="182880"/>
+          </a:xfrm>
+          <a:prstGeom prst="rect">
+            <a:avLst/>
+          </a:prstGeom>
+          <a:noFill/>
         </p:spPr>
         <p:style>
           <a:lnRef idx="2">
@@ -5431,823 +4795,8 @@
           <a:bodyPr rtlCol="0" anchor="ctr"/>
           <a:lstStyle/>
           <a:p>
-            <a:r>
-              <a:rPr lang="fr-FR" dirty="0"/>
-              <a:t>PDH (FPM)</a:t>
-            </a:r>
-            <a:endParaRPr lang="en-US" dirty="0"/>
-          </a:p>
-        </p:txBody>
-      </p:sp>
-      <p:sp>
-        <p:nvSpPr>
-          <p:cNvPr id="50" name="ZoneTexte 49"/>
-          <p:cNvSpPr txBox="1"/>
-          <p:nvPr/>
-        </p:nvSpPr>
-        <p:spPr>
-          <a:xfrm>
-            <a:off x="5397190" y="641921"/>
-            <a:ext cx="1152478" cy="307777"/>
-          </a:xfrm>
-          <a:prstGeom prst="rect">
-            <a:avLst/>
-          </a:prstGeom>
-          <a:noFill/>
-        </p:spPr>
-        <p:txBody>
-          <a:bodyPr wrap="square" rtlCol="0">
-            <a:spAutoFit/>
-          </a:bodyPr>
-          <a:lstStyle/>
-          <a:p>
-            <a:r>
-              <a:rPr lang="fr-FR" sz="1400" dirty="0" err="1" smtClean="0"/>
-              <a:t>Input_signal</a:t>
-            </a:r>
-            <a:endParaRPr lang="en-US" dirty="0"/>
-          </a:p>
-        </p:txBody>
-      </p:sp>
-      <p:sp>
-        <p:nvSpPr>
-          <p:cNvPr id="51" name="Rectangle 50"/>
-          <p:cNvSpPr/>
-          <p:nvPr/>
-        </p:nvSpPr>
-        <p:spPr>
-          <a:xfrm>
-            <a:off x="5449184" y="920979"/>
-            <a:ext cx="824089" cy="182880"/>
-          </a:xfrm>
-          <a:prstGeom prst="rect">
-            <a:avLst/>
-          </a:prstGeom>
-          <a:noFill/>
-        </p:spPr>
-        <p:style>
-          <a:lnRef idx="2">
-            <a:schemeClr val="accent1">
-              <a:shade val="50000"/>
-            </a:schemeClr>
-          </a:lnRef>
-          <a:fillRef idx="1">
-            <a:schemeClr val="accent1"/>
-          </a:fillRef>
-          <a:effectRef idx="0">
-            <a:schemeClr val="accent1"/>
-          </a:effectRef>
-          <a:fontRef idx="minor">
-            <a:schemeClr val="lt1"/>
-          </a:fontRef>
-        </p:style>
-        <p:txBody>
-          <a:bodyPr rtlCol="0" anchor="ctr"/>
-          <a:lstStyle/>
-          <a:p>
-            <a:pPr algn="ctr"/>
-            <a:r>
-              <a:rPr lang="en-US" sz="1400" dirty="0" smtClean="0">
-                <a:solidFill>
-                  <a:schemeClr val="tx1"/>
-                </a:solidFill>
-              </a:rPr>
-              <a:t>IQ</a:t>
-            </a:r>
-            <a:endParaRPr lang="en-US" sz="1400" dirty="0">
-              <a:solidFill>
-                <a:schemeClr val="tx1"/>
-              </a:solidFill>
-            </a:endParaRPr>
-          </a:p>
-        </p:txBody>
-      </p:sp>
-      <p:sp>
-        <p:nvSpPr>
-          <p:cNvPr id="52" name="Rectangle 51"/>
-          <p:cNvSpPr/>
-          <p:nvPr/>
-        </p:nvSpPr>
-        <p:spPr>
-          <a:xfrm>
-            <a:off x="5397190" y="3082904"/>
-            <a:ext cx="1602219" cy="325783"/>
-          </a:xfrm>
-          <a:prstGeom prst="rect">
-            <a:avLst/>
-          </a:prstGeom>
-        </p:spPr>
-        <p:style>
-          <a:lnRef idx="2">
-            <a:schemeClr val="accent1">
-              <a:shade val="50000"/>
-            </a:schemeClr>
-          </a:lnRef>
-          <a:fillRef idx="1">
-            <a:schemeClr val="accent1"/>
-          </a:fillRef>
-          <a:effectRef idx="0">
-            <a:schemeClr val="accent1"/>
-          </a:effectRef>
-          <a:fontRef idx="minor">
-            <a:schemeClr val="lt1"/>
-          </a:fontRef>
-        </p:style>
-        <p:txBody>
-          <a:bodyPr rtlCol="0" anchor="ctr"/>
-          <a:lstStyle/>
-          <a:p>
-            <a:pPr algn="ctr"/>
-            <a:endParaRPr lang="en-US"/>
-          </a:p>
-        </p:txBody>
-      </p:sp>
-      <p:sp>
-        <p:nvSpPr>
-          <p:cNvPr id="53" name="ZoneTexte 52"/>
-          <p:cNvSpPr txBox="1"/>
-          <p:nvPr/>
-        </p:nvSpPr>
-        <p:spPr>
-          <a:xfrm>
-            <a:off x="5634117" y="3074662"/>
-            <a:ext cx="1446823" cy="369332"/>
-          </a:xfrm>
-          <a:prstGeom prst="rect">
-            <a:avLst/>
-          </a:prstGeom>
-          <a:noFill/>
-        </p:spPr>
-        <p:txBody>
-          <a:bodyPr wrap="square" rtlCol="0">
-            <a:spAutoFit/>
-          </a:bodyPr>
-          <a:lstStyle/>
-          <a:p>
-            <a:r>
-              <a:rPr lang="fr-FR" dirty="0" err="1" smtClean="0"/>
-              <a:t>Calibrate</a:t>
-            </a:r>
-            <a:endParaRPr lang="en-US" dirty="0"/>
-          </a:p>
-        </p:txBody>
-      </p:sp>
-      <p:sp>
-        <p:nvSpPr>
-          <p:cNvPr id="54" name="ZoneTexte 53"/>
-          <p:cNvSpPr txBox="1"/>
-          <p:nvPr/>
-        </p:nvSpPr>
-        <p:spPr>
-          <a:xfrm>
-            <a:off x="5426818" y="1623871"/>
-            <a:ext cx="1001028" cy="307777"/>
-          </a:xfrm>
-          <a:prstGeom prst="rect">
-            <a:avLst/>
-          </a:prstGeom>
-          <a:noFill/>
-        </p:spPr>
-        <p:txBody>
-          <a:bodyPr wrap="square" rtlCol="0">
-            <a:spAutoFit/>
-          </a:bodyPr>
-          <a:lstStyle/>
-          <a:p>
-            <a:r>
-              <a:rPr lang="fr-FR" sz="1400" dirty="0" err="1" smtClean="0"/>
-              <a:t>freq</a:t>
-            </a:r>
-            <a:endParaRPr lang="en-US" dirty="0"/>
-          </a:p>
-        </p:txBody>
-      </p:sp>
-      <p:sp>
-        <p:nvSpPr>
-          <p:cNvPr id="55" name="Rectangle 54"/>
-          <p:cNvSpPr/>
-          <p:nvPr/>
-        </p:nvSpPr>
-        <p:spPr>
-          <a:xfrm>
-            <a:off x="5478812" y="1902929"/>
-            <a:ext cx="824089" cy="182880"/>
-          </a:xfrm>
-          <a:prstGeom prst="rect">
-            <a:avLst/>
-          </a:prstGeom>
-          <a:noFill/>
-        </p:spPr>
-        <p:style>
-          <a:lnRef idx="2">
-            <a:schemeClr val="accent1">
-              <a:shade val="50000"/>
-            </a:schemeClr>
-          </a:lnRef>
-          <a:fillRef idx="1">
-            <a:schemeClr val="accent1"/>
-          </a:fillRef>
-          <a:effectRef idx="0">
-            <a:schemeClr val="accent1"/>
-          </a:effectRef>
-          <a:fontRef idx="minor">
-            <a:schemeClr val="lt1"/>
-          </a:fontRef>
-        </p:style>
-        <p:txBody>
-          <a:bodyPr rtlCol="0" anchor="ctr"/>
-          <a:lstStyle/>
-          <a:p>
             <a:pPr algn="ctr"/>
             <a:endParaRPr lang="en-US" sz="1400"/>
-          </a:p>
-        </p:txBody>
-      </p:sp>
-      <p:sp>
-        <p:nvSpPr>
-          <p:cNvPr id="56" name="ZoneTexte 55"/>
-          <p:cNvSpPr txBox="1"/>
-          <p:nvPr/>
-        </p:nvSpPr>
-        <p:spPr>
-          <a:xfrm>
-            <a:off x="5441350" y="2111758"/>
-            <a:ext cx="1001028" cy="307777"/>
-          </a:xfrm>
-          <a:prstGeom prst="rect">
-            <a:avLst/>
-          </a:prstGeom>
-          <a:noFill/>
-        </p:spPr>
-        <p:txBody>
-          <a:bodyPr wrap="square" rtlCol="0">
-            <a:spAutoFit/>
-          </a:bodyPr>
-          <a:lstStyle/>
-          <a:p>
-            <a:r>
-              <a:rPr lang="fr-FR" sz="1400" dirty="0" smtClean="0"/>
-              <a:t>amplitude</a:t>
-            </a:r>
-            <a:endParaRPr lang="en-US" dirty="0"/>
-          </a:p>
-        </p:txBody>
-      </p:sp>
-      <p:sp>
-        <p:nvSpPr>
-          <p:cNvPr id="57" name="Rectangle 56"/>
-          <p:cNvSpPr/>
-          <p:nvPr/>
-        </p:nvSpPr>
-        <p:spPr>
-          <a:xfrm>
-            <a:off x="5493344" y="2390816"/>
-            <a:ext cx="824089" cy="182880"/>
-          </a:xfrm>
-          <a:prstGeom prst="rect">
-            <a:avLst/>
-          </a:prstGeom>
-          <a:noFill/>
-        </p:spPr>
-        <p:style>
-          <a:lnRef idx="2">
-            <a:schemeClr val="accent1">
-              <a:shade val="50000"/>
-            </a:schemeClr>
-          </a:lnRef>
-          <a:fillRef idx="1">
-            <a:schemeClr val="accent1"/>
-          </a:fillRef>
-          <a:effectRef idx="0">
-            <a:schemeClr val="accent1"/>
-          </a:effectRef>
-          <a:fontRef idx="minor">
-            <a:schemeClr val="lt1"/>
-          </a:fontRef>
-        </p:style>
-        <p:txBody>
-          <a:bodyPr rtlCol="0" anchor="ctr"/>
-          <a:lstStyle/>
-          <a:p>
-            <a:pPr algn="ctr"/>
-            <a:endParaRPr lang="en-US" sz="1400"/>
-          </a:p>
-        </p:txBody>
-      </p:sp>
-      <p:sp>
-        <p:nvSpPr>
-          <p:cNvPr id="58" name="ZoneTexte 57"/>
-          <p:cNvSpPr txBox="1"/>
-          <p:nvPr/>
-        </p:nvSpPr>
-        <p:spPr>
-          <a:xfrm>
-            <a:off x="5468051" y="2542028"/>
-            <a:ext cx="1001028" cy="307777"/>
-          </a:xfrm>
-          <a:prstGeom prst="rect">
-            <a:avLst/>
-          </a:prstGeom>
-          <a:noFill/>
-        </p:spPr>
-        <p:txBody>
-          <a:bodyPr wrap="square" rtlCol="0">
-            <a:spAutoFit/>
-          </a:bodyPr>
-          <a:lstStyle/>
-          <a:p>
-            <a:r>
-              <a:rPr lang="fr-FR" sz="1400" dirty="0" smtClean="0"/>
-              <a:t>Phase</a:t>
-            </a:r>
-            <a:endParaRPr lang="en-US" dirty="0"/>
-          </a:p>
-        </p:txBody>
-      </p:sp>
-      <p:sp>
-        <p:nvSpPr>
-          <p:cNvPr id="59" name="Rectangle 58"/>
-          <p:cNvSpPr/>
-          <p:nvPr/>
-        </p:nvSpPr>
-        <p:spPr>
-          <a:xfrm>
-            <a:off x="5520045" y="2821086"/>
-            <a:ext cx="824089" cy="182880"/>
-          </a:xfrm>
-          <a:prstGeom prst="rect">
-            <a:avLst/>
-          </a:prstGeom>
-          <a:noFill/>
-        </p:spPr>
-        <p:style>
-          <a:lnRef idx="2">
-            <a:schemeClr val="accent1">
-              <a:shade val="50000"/>
-            </a:schemeClr>
-          </a:lnRef>
-          <a:fillRef idx="1">
-            <a:schemeClr val="accent1"/>
-          </a:fillRef>
-          <a:effectRef idx="0">
-            <a:schemeClr val="accent1"/>
-          </a:effectRef>
-          <a:fontRef idx="minor">
-            <a:schemeClr val="lt1"/>
-          </a:fontRef>
-        </p:style>
-        <p:txBody>
-          <a:bodyPr rtlCol="0" anchor="ctr"/>
-          <a:lstStyle/>
-          <a:p>
-            <a:pPr algn="ctr"/>
-            <a:endParaRPr lang="en-US" sz="1400"/>
-          </a:p>
-        </p:txBody>
-      </p:sp>
-      <p:sp>
-        <p:nvSpPr>
-          <p:cNvPr id="60" name="ZoneTexte 59"/>
-          <p:cNvSpPr txBox="1"/>
-          <p:nvPr/>
-        </p:nvSpPr>
-        <p:spPr>
-          <a:xfrm>
-            <a:off x="5435413" y="1373478"/>
-            <a:ext cx="1563996" cy="307777"/>
-          </a:xfrm>
-          <a:prstGeom prst="rect">
-            <a:avLst/>
-          </a:prstGeom>
-          <a:noFill/>
-        </p:spPr>
-        <p:txBody>
-          <a:bodyPr wrap="square" rtlCol="0">
-            <a:spAutoFit/>
-          </a:bodyPr>
-          <a:lstStyle/>
-          <a:p>
-            <a:r>
-              <a:rPr lang="fr-FR" sz="1400" dirty="0" smtClean="0"/>
-              <a:t>Configuration</a:t>
-            </a:r>
-          </a:p>
-        </p:txBody>
-      </p:sp>
-      <p:sp>
-        <p:nvSpPr>
-          <p:cNvPr id="61" name="ZoneTexte 60"/>
-          <p:cNvSpPr txBox="1"/>
-          <p:nvPr/>
-        </p:nvSpPr>
-        <p:spPr>
-          <a:xfrm>
-            <a:off x="5360097" y="334144"/>
-            <a:ext cx="2379141" cy="307777"/>
-          </a:xfrm>
-          <a:prstGeom prst="rect">
-            <a:avLst/>
-          </a:prstGeom>
-          <a:noFill/>
-        </p:spPr>
-        <p:txBody>
-          <a:bodyPr wrap="square" rtlCol="0">
-            <a:spAutoFit/>
-          </a:bodyPr>
-          <a:lstStyle/>
-          <a:p>
-            <a:r>
-              <a:rPr lang="fr-FR" sz="1400" dirty="0" err="1" smtClean="0"/>
-              <a:t>Mysignal</a:t>
-            </a:r>
-            <a:r>
-              <a:rPr lang="fr-FR" sz="1400" dirty="0" smtClean="0"/>
-              <a:t> (custom)</a:t>
-            </a:r>
-            <a:endParaRPr lang="en-US" sz="1400" dirty="0"/>
-          </a:p>
-        </p:txBody>
-      </p:sp>
-      <p:sp>
-        <p:nvSpPr>
-          <p:cNvPr id="62" name="ZoneTexte 61"/>
-          <p:cNvSpPr txBox="1"/>
-          <p:nvPr/>
-        </p:nvSpPr>
-        <p:spPr>
-          <a:xfrm>
-            <a:off x="3370868" y="1423740"/>
-            <a:ext cx="1001028" cy="307777"/>
-          </a:xfrm>
-          <a:prstGeom prst="rect">
-            <a:avLst/>
-          </a:prstGeom>
-          <a:noFill/>
-        </p:spPr>
-        <p:txBody>
-          <a:bodyPr wrap="square" rtlCol="0">
-            <a:spAutoFit/>
-          </a:bodyPr>
-          <a:lstStyle/>
-          <a:p>
-            <a:r>
-              <a:rPr lang="fr-FR" sz="1400" dirty="0" smtClean="0"/>
-              <a:t>Input</a:t>
-            </a:r>
-            <a:endParaRPr lang="en-US" dirty="0"/>
-          </a:p>
-        </p:txBody>
-      </p:sp>
-      <p:sp>
-        <p:nvSpPr>
-          <p:cNvPr id="63" name="Rectangle 62"/>
-          <p:cNvSpPr/>
-          <p:nvPr/>
-        </p:nvSpPr>
-        <p:spPr>
-          <a:xfrm>
-            <a:off x="3451237" y="1677645"/>
-            <a:ext cx="824089" cy="182880"/>
-          </a:xfrm>
-          <a:prstGeom prst="rect">
-            <a:avLst/>
-          </a:prstGeom>
-          <a:noFill/>
-        </p:spPr>
-        <p:style>
-          <a:lnRef idx="2">
-            <a:schemeClr val="accent1">
-              <a:shade val="50000"/>
-            </a:schemeClr>
-          </a:lnRef>
-          <a:fillRef idx="1">
-            <a:schemeClr val="accent1"/>
-          </a:fillRef>
-          <a:effectRef idx="0">
-            <a:schemeClr val="accent1"/>
-          </a:effectRef>
-          <a:fontRef idx="minor">
-            <a:schemeClr val="lt1"/>
-          </a:fontRef>
-        </p:style>
-        <p:txBody>
-          <a:bodyPr rtlCol="0" anchor="ctr"/>
-          <a:lstStyle/>
-          <a:p>
-            <a:pPr algn="ctr"/>
-            <a:r>
-              <a:rPr lang="en-US" sz="1200" dirty="0" smtClean="0">
-                <a:solidFill>
-                  <a:schemeClr val="tx1"/>
-                </a:solidFill>
-              </a:rPr>
-              <a:t>Reflection</a:t>
-            </a:r>
-            <a:endParaRPr lang="en-US" sz="1200" dirty="0">
-              <a:solidFill>
-                <a:schemeClr val="tx1"/>
-              </a:solidFill>
-            </a:endParaRPr>
-          </a:p>
-        </p:txBody>
-      </p:sp>
-      <p:sp>
-        <p:nvSpPr>
-          <p:cNvPr id="64" name="ZoneTexte 63"/>
-          <p:cNvSpPr txBox="1"/>
-          <p:nvPr/>
-        </p:nvSpPr>
-        <p:spPr>
-          <a:xfrm>
-            <a:off x="4409433" y="283534"/>
-            <a:ext cx="1563996" cy="307777"/>
-          </a:xfrm>
-          <a:prstGeom prst="rect">
-            <a:avLst/>
-          </a:prstGeom>
-          <a:noFill/>
-        </p:spPr>
-        <p:txBody>
-          <a:bodyPr wrap="square" rtlCol="0">
-            <a:spAutoFit/>
-          </a:bodyPr>
-          <a:lstStyle/>
-          <a:p>
-            <a:r>
-              <a:rPr lang="fr-FR" sz="1400" dirty="0" smtClean="0"/>
-              <a:t>X </a:t>
-            </a:r>
-            <a:r>
-              <a:rPr lang="fr-FR" sz="1400" dirty="0" err="1" smtClean="0"/>
-              <a:t>delete</a:t>
-            </a:r>
-            <a:endParaRPr lang="fr-FR" sz="1400" dirty="0" smtClean="0"/>
-          </a:p>
-        </p:txBody>
-      </p:sp>
-      <p:sp>
-        <p:nvSpPr>
-          <p:cNvPr id="65" name="ZoneTexte 64"/>
-          <p:cNvSpPr txBox="1"/>
-          <p:nvPr/>
-        </p:nvSpPr>
-        <p:spPr>
-          <a:xfrm>
-            <a:off x="6801752" y="300787"/>
-            <a:ext cx="1563996" cy="307777"/>
-          </a:xfrm>
-          <a:prstGeom prst="rect">
-            <a:avLst/>
-          </a:prstGeom>
-          <a:noFill/>
-        </p:spPr>
-        <p:txBody>
-          <a:bodyPr wrap="square" rtlCol="0">
-            <a:spAutoFit/>
-          </a:bodyPr>
-          <a:lstStyle/>
-          <a:p>
-            <a:r>
-              <a:rPr lang="fr-FR" sz="1400" dirty="0" smtClean="0"/>
-              <a:t>X </a:t>
-            </a:r>
-            <a:r>
-              <a:rPr lang="fr-FR" sz="1400" dirty="0" err="1" smtClean="0"/>
-              <a:t>delete</a:t>
-            </a:r>
-            <a:endParaRPr lang="fr-FR" sz="1400" dirty="0" smtClean="0"/>
-          </a:p>
-        </p:txBody>
-      </p:sp>
-      <p:sp>
-        <p:nvSpPr>
-          <p:cNvPr id="66" name="ZoneTexte 65"/>
-          <p:cNvSpPr txBox="1"/>
-          <p:nvPr/>
-        </p:nvSpPr>
-        <p:spPr>
-          <a:xfrm>
-            <a:off x="2692730" y="427798"/>
-            <a:ext cx="1563996" cy="307777"/>
-          </a:xfrm>
-          <a:prstGeom prst="rect">
-            <a:avLst/>
-          </a:prstGeom>
-          <a:noFill/>
-        </p:spPr>
-        <p:txBody>
-          <a:bodyPr wrap="square" rtlCol="0">
-            <a:spAutoFit/>
-          </a:bodyPr>
-          <a:lstStyle/>
-          <a:p>
-            <a:r>
-              <a:rPr lang="fr-FR" sz="1400" dirty="0" smtClean="0"/>
-              <a:t>X </a:t>
-            </a:r>
-            <a:r>
-              <a:rPr lang="fr-FR" sz="1400" dirty="0" err="1" smtClean="0"/>
-              <a:t>delete</a:t>
-            </a:r>
-            <a:endParaRPr lang="fr-FR" sz="1400" dirty="0" smtClean="0"/>
-          </a:p>
-        </p:txBody>
-      </p:sp>
-      <p:sp>
-        <p:nvSpPr>
-          <p:cNvPr id="67" name="Légende encadrée 1 66"/>
-          <p:cNvSpPr/>
-          <p:nvPr/>
-        </p:nvSpPr>
-        <p:spPr>
-          <a:xfrm>
-            <a:off x="5333068" y="4216740"/>
-            <a:ext cx="3941707" cy="1969413"/>
-          </a:xfrm>
-          <a:prstGeom prst="borderCallout1">
-            <a:avLst>
-              <a:gd name="adj1" fmla="val 37214"/>
-              <a:gd name="adj2" fmla="val 958"/>
-              <a:gd name="adj3" fmla="val -170190"/>
-              <a:gd name="adj4" fmla="val 29957"/>
-            </a:avLst>
-          </a:prstGeom>
-          <a:solidFill>
-            <a:schemeClr val="tx1"/>
-          </a:solidFill>
-          <a:ln>
-            <a:solidFill>
-              <a:schemeClr val="tx1"/>
-            </a:solidFill>
-          </a:ln>
-        </p:spPr>
-        <p:style>
-          <a:lnRef idx="2">
-            <a:schemeClr val="accent1">
-              <a:shade val="50000"/>
-            </a:schemeClr>
-          </a:lnRef>
-          <a:fillRef idx="1">
-            <a:schemeClr val="accent1"/>
-          </a:fillRef>
-          <a:effectRef idx="0">
-            <a:schemeClr val="accent1"/>
-          </a:effectRef>
-          <a:fontRef idx="minor">
-            <a:schemeClr val="lt1"/>
-          </a:fontRef>
-        </p:style>
-        <p:txBody>
-          <a:bodyPr rtlCol="0" anchor="ctr"/>
-          <a:lstStyle/>
-          <a:p>
-            <a:r>
-              <a:rPr lang="en-US" dirty="0" smtClean="0"/>
-              <a:t>If no default parameters are defined, show all setup parameters of the module with the default values provided by the setup function. Alternatively, leave a text field to manually define all </a:t>
-            </a:r>
-            <a:r>
-              <a:rPr lang="en-US" dirty="0" err="1" smtClean="0"/>
-              <a:t>yaml</a:t>
-            </a:r>
-            <a:r>
-              <a:rPr lang="en-US" dirty="0" smtClean="0"/>
-              <a:t> parameters </a:t>
-            </a:r>
-          </a:p>
-        </p:txBody>
-      </p:sp>
-      <p:sp>
-        <p:nvSpPr>
-          <p:cNvPr id="68" name="Rectangle 67"/>
-          <p:cNvSpPr/>
-          <p:nvPr/>
-        </p:nvSpPr>
-        <p:spPr>
-          <a:xfrm>
-            <a:off x="1421428" y="397657"/>
-            <a:ext cx="801110" cy="265439"/>
-          </a:xfrm>
-          <a:prstGeom prst="rect">
-            <a:avLst/>
-          </a:prstGeom>
-          <a:noFill/>
-        </p:spPr>
-        <p:style>
-          <a:lnRef idx="2">
-            <a:schemeClr val="accent1">
-              <a:shade val="50000"/>
-            </a:schemeClr>
-          </a:lnRef>
-          <a:fillRef idx="1">
-            <a:schemeClr val="accent1"/>
-          </a:fillRef>
-          <a:effectRef idx="0">
-            <a:schemeClr val="accent1"/>
-          </a:effectRef>
-          <a:fontRef idx="minor">
-            <a:schemeClr val="lt1"/>
-          </a:fontRef>
-        </p:style>
-        <p:txBody>
-          <a:bodyPr rtlCol="0" anchor="ctr"/>
-          <a:lstStyle/>
-          <a:p>
-            <a:pPr algn="ctr"/>
-            <a:endParaRPr lang="en-US" sz="1400" dirty="0">
-              <a:solidFill>
-                <a:schemeClr val="tx1"/>
-              </a:solidFill>
-            </a:endParaRPr>
-          </a:p>
-        </p:txBody>
-      </p:sp>
-      <p:sp>
-        <p:nvSpPr>
-          <p:cNvPr id="69" name="Rectangle 68"/>
-          <p:cNvSpPr/>
-          <p:nvPr/>
-        </p:nvSpPr>
-        <p:spPr>
-          <a:xfrm>
-            <a:off x="3384564" y="407214"/>
-            <a:ext cx="378914" cy="254583"/>
-          </a:xfrm>
-          <a:prstGeom prst="rect">
-            <a:avLst/>
-          </a:prstGeom>
-          <a:noFill/>
-        </p:spPr>
-        <p:style>
-          <a:lnRef idx="2">
-            <a:schemeClr val="accent1">
-              <a:shade val="50000"/>
-            </a:schemeClr>
-          </a:lnRef>
-          <a:fillRef idx="1">
-            <a:schemeClr val="accent1"/>
-          </a:fillRef>
-          <a:effectRef idx="0">
-            <a:schemeClr val="accent1"/>
-          </a:effectRef>
-          <a:fontRef idx="minor">
-            <a:schemeClr val="lt1"/>
-          </a:fontRef>
-        </p:style>
-        <p:txBody>
-          <a:bodyPr rtlCol="0" anchor="ctr"/>
-          <a:lstStyle/>
-          <a:p>
-            <a:pPr algn="ctr"/>
-            <a:endParaRPr lang="en-US" sz="1400" dirty="0">
-              <a:solidFill>
-                <a:schemeClr val="tx1"/>
-              </a:solidFill>
-            </a:endParaRPr>
-          </a:p>
-        </p:txBody>
-      </p:sp>
-      <p:sp>
-        <p:nvSpPr>
-          <p:cNvPr id="70" name="Rectangle 69"/>
-          <p:cNvSpPr/>
-          <p:nvPr/>
-        </p:nvSpPr>
-        <p:spPr>
-          <a:xfrm>
-            <a:off x="5423900" y="407214"/>
-            <a:ext cx="688926" cy="255882"/>
-          </a:xfrm>
-          <a:prstGeom prst="rect">
-            <a:avLst/>
-          </a:prstGeom>
-          <a:noFill/>
-        </p:spPr>
-        <p:style>
-          <a:lnRef idx="2">
-            <a:schemeClr val="accent1">
-              <a:shade val="50000"/>
-            </a:schemeClr>
-          </a:lnRef>
-          <a:fillRef idx="1">
-            <a:schemeClr val="accent1"/>
-          </a:fillRef>
-          <a:effectRef idx="0">
-            <a:schemeClr val="accent1"/>
-          </a:effectRef>
-          <a:fontRef idx="minor">
-            <a:schemeClr val="lt1"/>
-          </a:fontRef>
-        </p:style>
-        <p:txBody>
-          <a:bodyPr rtlCol="0" anchor="ctr"/>
-          <a:lstStyle/>
-          <a:p>
-            <a:pPr algn="ctr"/>
-            <a:endParaRPr lang="en-US" sz="1400" dirty="0">
-              <a:solidFill>
-                <a:schemeClr val="tx1"/>
-              </a:solidFill>
-            </a:endParaRPr>
           </a:p>
         </p:txBody>
       </p:sp>
@@ -6952,7 +5501,7 @@
         <p:spPr>
           <a:xfrm>
             <a:off x="9581177" y="758135"/>
-            <a:ext cx="2257896" cy="307777"/>
+            <a:ext cx="1794637" cy="307777"/>
           </a:xfrm>
           <a:prstGeom prst="rect">
             <a:avLst/>
@@ -6976,18 +5525,6 @@
             <a:r>
               <a:rPr lang="fr-FR" sz="1400" dirty="0" err="1" smtClean="0"/>
               <a:t>filter</a:t>
-            </a:r>
-            <a:r>
-              <a:rPr lang="fr-FR" sz="1400" dirty="0" smtClean="0"/>
-              <a:t> </a:t>
-            </a:r>
-            <a:r>
-              <a:rPr lang="fr-FR" sz="1400" dirty="0" err="1" smtClean="0"/>
-              <a:t>behind</a:t>
-            </a:r>
-            <a:r>
-              <a:rPr lang="fr-FR" sz="1400" dirty="0" smtClean="0"/>
-              <a:t> output</a:t>
             </a:r>
             <a:endParaRPr lang="en-US" sz="1400" dirty="0"/>
           </a:p>
@@ -7383,7 +5920,7 @@
         </p:nvSpPr>
         <p:spPr>
           <a:xfrm>
-            <a:off x="9286177" y="768972"/>
+            <a:off x="9202035" y="808247"/>
             <a:ext cx="3259586" cy="2293577"/>
           </a:xfrm>
           <a:prstGeom prst="rect">
@@ -7516,6 +6053,109 @@
       </p:sp>
       <p:sp>
         <p:nvSpPr>
+          <p:cNvPr id="54" name="ZoneTexte 53"/>
+          <p:cNvSpPr txBox="1"/>
+          <p:nvPr/>
+        </p:nvSpPr>
+        <p:spPr>
+          <a:xfrm>
+            <a:off x="951701" y="1934706"/>
+            <a:ext cx="3228622" cy="307777"/>
+          </a:xfrm>
+          <a:prstGeom prst="rect">
+            <a:avLst/>
+          </a:prstGeom>
+          <a:noFill/>
+        </p:spPr>
+        <p:txBody>
+          <a:bodyPr wrap="square" rtlCol="0">
+            <a:spAutoFit/>
+          </a:bodyPr>
+          <a:lstStyle/>
+          <a:p>
+            <a:r>
+              <a:rPr lang="fr-FR" sz="1400" dirty="0" err="1" smtClean="0"/>
+              <a:t>Specify</a:t>
+            </a:r>
+            <a:r>
+              <a:rPr lang="fr-FR" sz="1400" dirty="0" smtClean="0"/>
+              <a:t> </a:t>
+            </a:r>
+            <a:r>
+              <a:rPr lang="fr-FR" sz="1400" dirty="0" err="1"/>
+              <a:t>a</a:t>
+            </a:r>
+            <a:r>
+              <a:rPr lang="fr-FR" sz="1400" dirty="0" err="1" smtClean="0"/>
+              <a:t>nalog</a:t>
+            </a:r>
+            <a:r>
+              <a:rPr lang="fr-FR" sz="1400" dirty="0" smtClean="0"/>
+              <a:t> </a:t>
+            </a:r>
+            <a:r>
+              <a:rPr lang="fr-FR" sz="1400" dirty="0" err="1" smtClean="0"/>
+              <a:t>transfer</a:t>
+            </a:r>
+            <a:r>
+              <a:rPr lang="fr-FR" sz="1400" dirty="0" smtClean="0"/>
+              <a:t> </a:t>
+            </a:r>
+            <a:r>
+              <a:rPr lang="fr-FR" sz="1400" dirty="0" err="1" smtClean="0"/>
+              <a:t>function</a:t>
+            </a:r>
+            <a:r>
+              <a:rPr lang="fr-FR" sz="1400" dirty="0" smtClean="0"/>
+              <a:t>: </a:t>
+            </a:r>
+            <a:endParaRPr lang="en-US" sz="1400" dirty="0"/>
+          </a:p>
+        </p:txBody>
+      </p:sp>
+      <p:sp>
+        <p:nvSpPr>
+          <p:cNvPr id="55" name="Rectangle 54"/>
+          <p:cNvSpPr/>
+          <p:nvPr/>
+        </p:nvSpPr>
+        <p:spPr>
+          <a:xfrm>
+            <a:off x="1211246" y="2229431"/>
+            <a:ext cx="2061342" cy="233671"/>
+          </a:xfrm>
+          <a:prstGeom prst="rect">
+            <a:avLst/>
+          </a:prstGeom>
+          <a:noFill/>
+        </p:spPr>
+        <p:style>
+          <a:lnRef idx="2">
+            <a:schemeClr val="accent1">
+              <a:shade val="50000"/>
+            </a:schemeClr>
+          </a:lnRef>
+          <a:fillRef idx="1">
+            <a:schemeClr val="accent1"/>
+          </a:fillRef>
+          <a:effectRef idx="0">
+            <a:schemeClr val="accent1"/>
+          </a:effectRef>
+          <a:fontRef idx="minor">
+            <a:schemeClr val="lt1"/>
+          </a:fontRef>
+        </p:style>
+        <p:txBody>
+          <a:bodyPr rtlCol="0" anchor="ctr"/>
+          <a:lstStyle/>
+          <a:p>
+            <a:pPr algn="ctr"/>
+            <a:endParaRPr lang="en-US" sz="1400"/>
+          </a:p>
+        </p:txBody>
+      </p:sp>
+      <p:sp>
+        <p:nvSpPr>
           <p:cNvPr id="56" name="Rectangle 55"/>
           <p:cNvSpPr/>
           <p:nvPr/>
@@ -7727,6 +6367,79 @@
       </p:sp>
       <p:sp>
         <p:nvSpPr>
+          <p:cNvPr id="64" name="ZoneTexte 63"/>
+          <p:cNvSpPr txBox="1"/>
+          <p:nvPr/>
+        </p:nvSpPr>
+        <p:spPr>
+          <a:xfrm>
+            <a:off x="1045655" y="2166901"/>
+            <a:ext cx="3738548" cy="738664"/>
+          </a:xfrm>
+          <a:prstGeom prst="rect">
+            <a:avLst/>
+          </a:prstGeom>
+          <a:noFill/>
+        </p:spPr>
+        <p:txBody>
+          <a:bodyPr wrap="square" rtlCol="0">
+            <a:spAutoFit/>
+          </a:bodyPr>
+          <a:lstStyle/>
+          <a:p>
+            <a:r>
+              <a:rPr lang="fr-FR" sz="1400" dirty="0" smtClean="0"/>
+              <a:t>- None</a:t>
+            </a:r>
+          </a:p>
+          <a:p>
+            <a:r>
+              <a:rPr lang="fr-FR" sz="1400" dirty="0" smtClean="0"/>
+              <a:t>- </a:t>
+            </a:r>
+            <a:r>
+              <a:rPr lang="fr-FR" sz="1400" dirty="0" err="1" smtClean="0"/>
+              <a:t>Analog_filter</a:t>
+            </a:r>
+            <a:r>
+              <a:rPr lang="fr-FR" sz="1400" dirty="0" smtClean="0"/>
+              <a:t>(</a:t>
+            </a:r>
+            <a:r>
+              <a:rPr lang="fr-FR" sz="1400" dirty="0" err="1" smtClean="0"/>
+              <a:t>see</a:t>
+            </a:r>
+            <a:r>
+              <a:rPr lang="fr-FR" sz="1400" dirty="0" smtClean="0"/>
+              <a:t> </a:t>
+            </a:r>
+            <a:r>
+              <a:rPr lang="fr-FR" sz="1400" dirty="0" err="1" smtClean="0"/>
+              <a:t>assisted</a:t>
+            </a:r>
+            <a:r>
+              <a:rPr lang="fr-FR" sz="1400" dirty="0" smtClean="0"/>
+              <a:t> design)</a:t>
+            </a:r>
+          </a:p>
+          <a:p>
+            <a:r>
+              <a:rPr lang="fr-FR" sz="1400" dirty="0" smtClean="0"/>
+              <a:t>- </a:t>
+            </a:r>
+            <a:r>
+              <a:rPr lang="fr-FR" sz="1400" dirty="0" err="1" smtClean="0"/>
+              <a:t>Curve</a:t>
+            </a:r>
+            <a:r>
+              <a:rPr lang="fr-FR" sz="1400" dirty="0" smtClean="0"/>
+              <a:t> #</a:t>
+            </a:r>
+          </a:p>
+        </p:txBody>
+      </p:sp>
+      <p:sp>
+        <p:nvSpPr>
           <p:cNvPr id="65" name="Rectangle 64"/>
           <p:cNvSpPr/>
           <p:nvPr/>
@@ -8424,8 +7137,8 @@
         </p:nvSpPr>
         <p:spPr>
           <a:xfrm>
-            <a:off x="1149629" y="2607875"/>
-            <a:ext cx="2597423" cy="523220"/>
+            <a:off x="1117455" y="2871197"/>
+            <a:ext cx="1366623" cy="307777"/>
           </a:xfrm>
           <a:prstGeom prst="rect">
             <a:avLst/>
@@ -8445,58 +7158,6 @@
             <a:r>
               <a:rPr lang="fr-FR" sz="1400" dirty="0" err="1" smtClean="0"/>
               <a:t>limit</a:t>
-            </a:r>
-            <a:r>
-              <a:rPr lang="fr-FR" sz="1400" dirty="0" smtClean="0"/>
-              <a:t> (</a:t>
-            </a:r>
-            <a:r>
-              <a:rPr lang="fr-FR" sz="1400" dirty="0" err="1" smtClean="0"/>
-              <a:t>need</a:t>
-            </a:r>
-            <a:r>
-              <a:rPr lang="fr-FR" sz="1400" dirty="0" smtClean="0"/>
-              <a:t> to </a:t>
-            </a:r>
-            <a:r>
-              <a:rPr lang="fr-FR" sz="1400" dirty="0" err="1" smtClean="0"/>
-              <a:t>think</a:t>
-            </a:r>
-            <a:r>
-              <a:rPr lang="fr-FR" sz="1400" dirty="0" smtClean="0"/>
-              <a:t> about </a:t>
-            </a:r>
-            <a:r>
-              <a:rPr lang="fr-FR" sz="1400" dirty="0" err="1" smtClean="0"/>
-              <a:t>implementation</a:t>
-            </a:r>
-            <a:r>
-              <a:rPr lang="fr-FR" sz="1400" dirty="0" smtClean="0"/>
-              <a:t>, </a:t>
-            </a:r>
-            <a:r>
-              <a:rPr lang="fr-FR" sz="1400" dirty="0" err="1" smtClean="0"/>
-              <a:t>too</a:t>
-            </a:r>
-            <a:r>
-              <a:rPr lang="fr-FR" sz="1400" dirty="0" smtClean="0"/>
-              <a:t> </a:t>
-            </a:r>
-            <a:r>
-              <a:rPr lang="fr-FR" sz="1400" dirty="0" err="1" smtClean="0"/>
-              <a:t>early</a:t>
-            </a:r>
-            <a:r>
-              <a:rPr lang="fr-FR" sz="1400" dirty="0" smtClean="0"/>
-              <a:t> </a:t>
-            </a:r>
-            <a:r>
-              <a:rPr lang="fr-FR" sz="1400" dirty="0" err="1" smtClean="0"/>
-              <a:t>still</a:t>
-            </a:r>
-            <a:r>
-              <a:rPr lang="fr-FR" sz="1400" dirty="0" smtClean="0"/>
-              <a:t>)</a:t>
             </a:r>
             <a:endParaRPr lang="en-US" sz="1400" dirty="0"/>
           </a:p>
@@ -8957,13 +7618,15 @@
       <p:cxnSp>
         <p:nvCxnSpPr>
           <p:cNvPr id="104" name="Connecteur droit avec flèche 103"/>
-          <p:cNvCxnSpPr/>
+          <p:cNvCxnSpPr>
+            <a:stCxn id="105" idx="1"/>
+          </p:cNvCxnSpPr>
           <p:nvPr/>
         </p:nvCxnSpPr>
         <p:spPr>
           <a:xfrm>
-            <a:off x="282791" y="441517"/>
-            <a:ext cx="1525728" cy="1161097"/>
+            <a:off x="365760" y="-423859"/>
+            <a:ext cx="1525728" cy="1715095"/>
           </a:xfrm>
           <a:prstGeom prst="straightConnector1">
             <a:avLst/>
@@ -8995,8 +7658,8 @@
         </p:nvSpPr>
         <p:spPr>
           <a:xfrm>
-            <a:off x="-2981289" y="-885524"/>
-            <a:ext cx="3601582" cy="2031325"/>
+            <a:off x="365760" y="-885524"/>
+            <a:ext cx="3601582" cy="923330"/>
           </a:xfrm>
           <a:prstGeom prst="rect">
             <a:avLst/>
@@ -9010,12 +7673,8 @@
           <a:lstStyle/>
           <a:p>
             <a:r>
-              <a:rPr lang="fr-FR" dirty="0" smtClean="0"/>
-              <a:t>You </a:t>
-            </a:r>
-            <a:r>
               <a:rPr lang="fr-FR" dirty="0" err="1" smtClean="0"/>
-              <a:t>can</a:t>
+              <a:t>Why</a:t>
             </a:r>
             <a:r>
               <a:rPr lang="fr-FR" dirty="0" smtClean="0"/>
@@ -9023,7 +7682,7 @@
             </a:r>
             <a:r>
               <a:rPr lang="fr-FR" dirty="0" err="1" smtClean="0"/>
-              <a:t>easily</a:t>
+              <a:t>is</a:t>
             </a:r>
             <a:r>
               <a:rPr lang="fr-FR" dirty="0" smtClean="0"/>
@@ -9031,15 +7690,7 @@
             </a:r>
             <a:r>
               <a:rPr lang="fr-FR" dirty="0" err="1" smtClean="0"/>
-              <a:t>guess</a:t>
-            </a:r>
-            <a:r>
-              <a:rPr lang="fr-FR" dirty="0" smtClean="0"/>
-              <a:t> the output DC-gain </a:t>
-            </a:r>
-            <a:r>
-              <a:rPr lang="fr-FR" dirty="0" err="1" smtClean="0"/>
-              <a:t>from</a:t>
+              <a:t>that</a:t>
             </a:r>
             <a:r>
               <a:rPr lang="fr-FR" dirty="0" smtClean="0"/>
@@ -9047,7 +7698,7 @@
             </a:r>
             <a:r>
               <a:rPr lang="fr-FR" dirty="0" err="1" smtClean="0"/>
-              <a:t>piezo</a:t>
+              <a:t>ever</a:t>
             </a:r>
             <a:r>
               <a:rPr lang="fr-FR" dirty="0" smtClean="0"/>
@@ -9055,51 +7706,35 @@
             </a:r>
             <a:r>
               <a:rPr lang="fr-FR" dirty="0" err="1" smtClean="0"/>
-              <a:t>specifications</a:t>
+              <a:t>needed</a:t>
             </a:r>
             <a:r>
               <a:rPr lang="fr-FR" dirty="0" smtClean="0"/>
-              <a:t>, or the laser </a:t>
+              <a:t>, </a:t>
             </a:r>
             <a:r>
               <a:rPr lang="fr-FR" dirty="0" err="1" smtClean="0"/>
-              <a:t>frequency</a:t>
+              <a:t>since</a:t>
             </a:r>
             <a:r>
               <a:rPr lang="fr-FR" dirty="0" smtClean="0"/>
-              <a:t> </a:t>
+              <a:t> the model </a:t>
             </a:r>
             <a:r>
               <a:rPr lang="fr-FR" dirty="0" err="1" smtClean="0"/>
-              <a:t>tuning</a:t>
+              <a:t>defines</a:t>
             </a:r>
             <a:r>
               <a:rPr lang="fr-FR" dirty="0" smtClean="0"/>
-              <a:t> gain </a:t>
+              <a:t> the « variable » to </a:t>
             </a:r>
             <a:r>
               <a:rPr lang="fr-FR" dirty="0" err="1" smtClean="0"/>
-              <a:t>from</a:t>
+              <a:t>stabilize</a:t>
             </a:r>
             <a:r>
               <a:rPr lang="fr-FR" dirty="0" smtClean="0"/>
-              <a:t> the </a:t>
-            </a:r>
-            <a:r>
-              <a:rPr lang="fr-FR" dirty="0" err="1" smtClean="0"/>
-              <a:t>datasheet</a:t>
-            </a:r>
-            <a:r>
-              <a:rPr lang="fr-FR" dirty="0" smtClean="0"/>
-              <a:t>. </a:t>
-            </a:r>
-            <a:r>
-              <a:rPr lang="fr-FR" dirty="0" err="1" smtClean="0"/>
-              <a:t>Therefore</a:t>
-            </a:r>
-            <a:r>
-              <a:rPr lang="fr-FR" dirty="0" smtClean="0"/>
-              <a:t> </a:t>
+              <a:t> and </a:t>
             </a:r>
             <a:r>
               <a:rPr lang="fr-FR" dirty="0" err="1" smtClean="0"/>
@@ -9107,79 +7742,7 @@
             </a:r>
             <a:r>
               <a:rPr lang="fr-FR" dirty="0" smtClean="0"/>
-              <a:t> </a:t>
-            </a:r>
-            <a:r>
-              <a:rPr lang="fr-FR" dirty="0" err="1" smtClean="0"/>
-              <a:t>useful</a:t>
-            </a:r>
-            <a:r>
-              <a:rPr lang="fr-FR" dirty="0" smtClean="0"/>
-              <a:t> to </a:t>
-            </a:r>
-            <a:r>
-              <a:rPr lang="fr-FR" dirty="0" err="1" smtClean="0"/>
-              <a:t>provide</a:t>
-            </a:r>
-            <a:r>
-              <a:rPr lang="fr-FR" dirty="0" smtClean="0"/>
-              <a:t> </a:t>
-            </a:r>
-            <a:r>
-              <a:rPr lang="fr-FR" dirty="0" err="1" smtClean="0"/>
-              <a:t>these</a:t>
-            </a:r>
-            <a:r>
-              <a:rPr lang="fr-FR" dirty="0" smtClean="0"/>
-              <a:t> values for the output, </a:t>
-            </a:r>
-            <a:r>
-              <a:rPr lang="fr-FR" dirty="0" err="1" smtClean="0"/>
-              <a:t>such</a:t>
-            </a:r>
-            <a:r>
-              <a:rPr lang="fr-FR" dirty="0" smtClean="0"/>
-              <a:t> </a:t>
-            </a:r>
-            <a:r>
-              <a:rPr lang="fr-FR" dirty="0" err="1" smtClean="0"/>
-              <a:t>that</a:t>
-            </a:r>
-            <a:r>
-              <a:rPr lang="fr-FR" dirty="0" smtClean="0"/>
-              <a:t> the first </a:t>
-            </a:r>
-            <a:r>
-              <a:rPr lang="fr-FR" dirty="0" err="1" smtClean="0"/>
-              <a:t>locking</a:t>
-            </a:r>
-            <a:r>
-              <a:rPr lang="fr-FR" dirty="0" smtClean="0"/>
-              <a:t> </a:t>
-            </a:r>
-            <a:r>
-              <a:rPr lang="fr-FR" dirty="0" err="1" smtClean="0"/>
-              <a:t>attempts</a:t>
-            </a:r>
-            <a:r>
-              <a:rPr lang="fr-FR" dirty="0" smtClean="0"/>
-              <a:t> are in a </a:t>
-            </a:r>
-            <a:r>
-              <a:rPr lang="fr-FR" dirty="0" err="1" smtClean="0"/>
-              <a:t>reasonable</a:t>
-            </a:r>
-            <a:r>
-              <a:rPr lang="fr-FR" dirty="0" smtClean="0"/>
-              <a:t> </a:t>
-            </a:r>
-            <a:r>
-              <a:rPr lang="fr-FR" dirty="0" err="1" smtClean="0"/>
-              <a:t>parameter</a:t>
-            </a:r>
-            <a:r>
-              <a:rPr lang="fr-FR" dirty="0" smtClean="0"/>
-              <a:t> range</a:t>
+              <a:t> unit ?</a:t>
             </a:r>
             <a:endParaRPr lang="en-US" dirty="0"/>
           </a:p>
@@ -9218,320 +7781,6 @@
           </a:fontRef>
         </p:style>
       </p:cxnSp>
-      <p:sp>
-        <p:nvSpPr>
-          <p:cNvPr id="84" name="Rectangle 83"/>
-          <p:cNvSpPr/>
-          <p:nvPr/>
-        </p:nvSpPr>
-        <p:spPr>
-          <a:xfrm>
-            <a:off x="10090841" y="3703511"/>
-            <a:ext cx="1748232" cy="2642592"/>
-          </a:xfrm>
-          <a:prstGeom prst="rect">
-            <a:avLst/>
-          </a:prstGeom>
-        </p:spPr>
-        <p:style>
-          <a:lnRef idx="2">
-            <a:schemeClr val="accent1">
-              <a:shade val="50000"/>
-            </a:schemeClr>
-          </a:lnRef>
-          <a:fillRef idx="1">
-            <a:schemeClr val="accent1"/>
-          </a:fillRef>
-          <a:effectRef idx="0">
-            <a:schemeClr val="accent1"/>
-          </a:effectRef>
-          <a:fontRef idx="minor">
-            <a:schemeClr val="lt1"/>
-          </a:fontRef>
-        </p:style>
-        <p:txBody>
-          <a:bodyPr rtlCol="0" anchor="ctr"/>
-          <a:lstStyle/>
-          <a:p>
-            <a:pPr algn="ctr"/>
-            <a:r>
-              <a:rPr lang="en-US" dirty="0" smtClean="0"/>
-              <a:t>Measure with NA</a:t>
-            </a:r>
-            <a:endParaRPr lang="en-US" dirty="0"/>
-          </a:p>
-        </p:txBody>
-      </p:sp>
-      <p:sp>
-        <p:nvSpPr>
-          <p:cNvPr id="85" name="Rectangle 84"/>
-          <p:cNvSpPr/>
-          <p:nvPr/>
-        </p:nvSpPr>
-        <p:spPr>
-          <a:xfrm>
-            <a:off x="6127793" y="1119810"/>
-            <a:ext cx="1802743" cy="279191"/>
-          </a:xfrm>
-          <a:prstGeom prst="rect">
-            <a:avLst/>
-          </a:prstGeom>
-          <a:solidFill>
-            <a:schemeClr val="bg1">
-              <a:alpha val="58000"/>
-            </a:schemeClr>
-          </a:solidFill>
-          <a:ln>
-            <a:noFill/>
-          </a:ln>
-        </p:spPr>
-        <p:style>
-          <a:lnRef idx="2">
-            <a:schemeClr val="accent1">
-              <a:shade val="50000"/>
-            </a:schemeClr>
-          </a:lnRef>
-          <a:fillRef idx="1">
-            <a:schemeClr val="accent1"/>
-          </a:fillRef>
-          <a:effectRef idx="0">
-            <a:schemeClr val="accent1"/>
-          </a:effectRef>
-          <a:fontRef idx="minor">
-            <a:schemeClr val="lt1"/>
-          </a:fontRef>
-        </p:style>
-        <p:txBody>
-          <a:bodyPr rtlCol="0" anchor="ctr"/>
-          <a:lstStyle/>
-          <a:p>
-            <a:pPr algn="ctr"/>
-            <a:endParaRPr lang="en-US" sz="1400"/>
-          </a:p>
-        </p:txBody>
-      </p:sp>
-      <p:sp>
-        <p:nvSpPr>
-          <p:cNvPr id="92" name="Légende encadrée 1 91"/>
-          <p:cNvSpPr/>
-          <p:nvPr/>
-        </p:nvSpPr>
-        <p:spPr>
-          <a:xfrm>
-            <a:off x="5459549" y="3893272"/>
-            <a:ext cx="1994898" cy="953385"/>
-          </a:xfrm>
-          <a:prstGeom prst="borderCallout1">
-            <a:avLst>
-              <a:gd name="adj1" fmla="val 37214"/>
-              <a:gd name="adj2" fmla="val 958"/>
-              <a:gd name="adj3" fmla="val -236911"/>
-              <a:gd name="adj4" fmla="val 39423"/>
-            </a:avLst>
-          </a:prstGeom>
-          <a:solidFill>
-            <a:schemeClr val="tx1"/>
-          </a:solidFill>
-          <a:ln>
-            <a:solidFill>
-              <a:schemeClr val="tx1"/>
-            </a:solidFill>
-          </a:ln>
-        </p:spPr>
-        <p:style>
-          <a:lnRef idx="2">
-            <a:schemeClr val="accent1">
-              <a:shade val="50000"/>
-            </a:schemeClr>
-          </a:lnRef>
-          <a:fillRef idx="1">
-            <a:schemeClr val="accent1"/>
-          </a:fillRef>
-          <a:effectRef idx="0">
-            <a:schemeClr val="accent1"/>
-          </a:effectRef>
-          <a:fontRef idx="minor">
-            <a:schemeClr val="lt1"/>
-          </a:fontRef>
-        </p:style>
-        <p:txBody>
-          <a:bodyPr rtlCol="0" anchor="ctr"/>
-          <a:lstStyle/>
-          <a:p>
-            <a:r>
-              <a:rPr lang="en-US" dirty="0" smtClean="0"/>
-              <a:t>Radio button to select one and gray out the other?</a:t>
-            </a:r>
-          </a:p>
-        </p:txBody>
-      </p:sp>
-      <p:sp>
-        <p:nvSpPr>
-          <p:cNvPr id="93" name="ZoneTexte 63"/>
-          <p:cNvSpPr txBox="1"/>
-          <p:nvPr/>
-        </p:nvSpPr>
-        <p:spPr>
-          <a:xfrm rot="16200000">
-            <a:off x="-1286905" y="4546660"/>
-            <a:ext cx="3738548" cy="738664"/>
-          </a:xfrm>
-          <a:prstGeom prst="rect">
-            <a:avLst/>
-          </a:prstGeom>
-          <a:noFill/>
-        </p:spPr>
-        <p:txBody>
-          <a:bodyPr wrap="square" rtlCol="0">
-            <a:spAutoFit/>
-          </a:bodyPr>
-          <a:lstStyle>
-            <a:defPPr>
-              <a:defRPr lang="en-US"/>
-            </a:defPPr>
-            <a:lvl1pPr marL="0" algn="l" defTabSz="914400" rtl="0" eaLnBrk="1" latinLnBrk="0" hangingPunct="1">
-              <a:defRPr sz="1800" kern="1200">
-                <a:solidFill>
-                  <a:schemeClr val="tx1"/>
-                </a:solidFill>
-                <a:latin typeface="+mn-lt"/>
-                <a:ea typeface="+mn-ea"/>
-                <a:cs typeface="+mn-cs"/>
-              </a:defRPr>
-            </a:lvl1pPr>
-            <a:lvl2pPr marL="457200" algn="l" defTabSz="914400" rtl="0" eaLnBrk="1" latinLnBrk="0" hangingPunct="1">
-              <a:defRPr sz="1800" kern="1200">
-                <a:solidFill>
-                  <a:schemeClr val="tx1"/>
-                </a:solidFill>
-                <a:latin typeface="+mn-lt"/>
-                <a:ea typeface="+mn-ea"/>
-                <a:cs typeface="+mn-cs"/>
-              </a:defRPr>
-            </a:lvl2pPr>
-            <a:lvl3pPr marL="914400" algn="l" defTabSz="914400" rtl="0" eaLnBrk="1" latinLnBrk="0" hangingPunct="1">
-              <a:defRPr sz="1800" kern="1200">
-                <a:solidFill>
-                  <a:schemeClr val="tx1"/>
-                </a:solidFill>
-                <a:latin typeface="+mn-lt"/>
-                <a:ea typeface="+mn-ea"/>
-                <a:cs typeface="+mn-cs"/>
-              </a:defRPr>
-            </a:lvl3pPr>
-            <a:lvl4pPr marL="1371600" algn="l" defTabSz="914400" rtl="0" eaLnBrk="1" latinLnBrk="0" hangingPunct="1">
-              <a:defRPr sz="1800" kern="1200">
-                <a:solidFill>
-                  <a:schemeClr val="tx1"/>
-                </a:solidFill>
-                <a:latin typeface="+mn-lt"/>
-                <a:ea typeface="+mn-ea"/>
-                <a:cs typeface="+mn-cs"/>
-              </a:defRPr>
-            </a:lvl4pPr>
-            <a:lvl5pPr marL="1828800" algn="l" defTabSz="914400" rtl="0" eaLnBrk="1" latinLnBrk="0" hangingPunct="1">
-              <a:defRPr sz="1800" kern="1200">
-                <a:solidFill>
-                  <a:schemeClr val="tx1"/>
-                </a:solidFill>
-                <a:latin typeface="+mn-lt"/>
-                <a:ea typeface="+mn-ea"/>
-                <a:cs typeface="+mn-cs"/>
-              </a:defRPr>
-            </a:lvl5pPr>
-            <a:lvl6pPr marL="2286000" algn="l" defTabSz="914400" rtl="0" eaLnBrk="1" latinLnBrk="0" hangingPunct="1">
-              <a:defRPr sz="1800" kern="1200">
-                <a:solidFill>
-                  <a:schemeClr val="tx1"/>
-                </a:solidFill>
-                <a:latin typeface="+mn-lt"/>
-                <a:ea typeface="+mn-ea"/>
-                <a:cs typeface="+mn-cs"/>
-              </a:defRPr>
-            </a:lvl6pPr>
-            <a:lvl7pPr marL="2743200" algn="l" defTabSz="914400" rtl="0" eaLnBrk="1" latinLnBrk="0" hangingPunct="1">
-              <a:defRPr sz="1800" kern="1200">
-                <a:solidFill>
-                  <a:schemeClr val="tx1"/>
-                </a:solidFill>
-                <a:latin typeface="+mn-lt"/>
-                <a:ea typeface="+mn-ea"/>
-                <a:cs typeface="+mn-cs"/>
-              </a:defRPr>
-            </a:lvl7pPr>
-            <a:lvl8pPr marL="3200400" algn="l" defTabSz="914400" rtl="0" eaLnBrk="1" latinLnBrk="0" hangingPunct="1">
-              <a:defRPr sz="1800" kern="1200">
-                <a:solidFill>
-                  <a:schemeClr val="tx1"/>
-                </a:solidFill>
-                <a:latin typeface="+mn-lt"/>
-                <a:ea typeface="+mn-ea"/>
-                <a:cs typeface="+mn-cs"/>
-              </a:defRPr>
-            </a:lvl8pPr>
-            <a:lvl9pPr marL="3657600" algn="l" defTabSz="914400" rtl="0" eaLnBrk="1" latinLnBrk="0" hangingPunct="1">
-              <a:defRPr sz="1800" kern="1200">
-                <a:solidFill>
-                  <a:schemeClr val="tx1"/>
-                </a:solidFill>
-                <a:latin typeface="+mn-lt"/>
-                <a:ea typeface="+mn-ea"/>
-                <a:cs typeface="+mn-cs"/>
-              </a:defRPr>
-            </a:lvl9pPr>
-          </a:lstStyle>
-          <a:p>
-            <a:r>
-              <a:rPr lang="fr-FR" sz="1400" dirty="0" smtClean="0"/>
-              <a:t>- None</a:t>
-            </a:r>
-          </a:p>
-          <a:p>
-            <a:r>
-              <a:rPr lang="fr-FR" sz="1400" dirty="0" smtClean="0"/>
-              <a:t>- </a:t>
-            </a:r>
-            <a:r>
-              <a:rPr lang="fr-FR" sz="1400" dirty="0" err="1" smtClean="0"/>
-              <a:t>Analog_filter</a:t>
-            </a:r>
-            <a:r>
-              <a:rPr lang="fr-FR" sz="1400" dirty="0" smtClean="0"/>
-              <a:t>(</a:t>
-            </a:r>
-            <a:r>
-              <a:rPr lang="fr-FR" sz="1400" dirty="0" err="1" smtClean="0"/>
-              <a:t>see</a:t>
-            </a:r>
-            <a:r>
-              <a:rPr lang="fr-FR" sz="1400" dirty="0" smtClean="0"/>
-              <a:t> </a:t>
-            </a:r>
-            <a:r>
-              <a:rPr lang="fr-FR" sz="1400" dirty="0" err="1" smtClean="0"/>
-              <a:t>assisted</a:t>
-            </a:r>
-            <a:r>
-              <a:rPr lang="fr-FR" sz="1400" dirty="0" smtClean="0"/>
-              <a:t> design)</a:t>
-            </a:r>
-          </a:p>
-          <a:p>
-            <a:r>
-              <a:rPr lang="fr-FR" sz="1400" dirty="0" smtClean="0"/>
-              <a:t>- </a:t>
-            </a:r>
-            <a:r>
-              <a:rPr lang="fr-FR" sz="1400" dirty="0" err="1" smtClean="0"/>
-              <a:t>Curve</a:t>
-            </a:r>
-            <a:r>
-              <a:rPr lang="fr-FR" sz="1400" dirty="0" smtClean="0"/>
-              <a:t> #</a:t>
-            </a:r>
-          </a:p>
-        </p:txBody>
-      </p:sp>
     </p:spTree>
     <p:extLst>
       <p:ext uri="{BB962C8B-B14F-4D97-AF65-F5344CB8AC3E}">
@@ -9614,7 +7863,7 @@
         </p:nvSpPr>
         <p:spPr>
           <a:xfrm>
-            <a:off x="368500" y="68091"/>
+            <a:off x="1309036" y="68091"/>
             <a:ext cx="1694046" cy="369332"/>
           </a:xfrm>
           <a:prstGeom prst="rect">
@@ -9750,7 +7999,7 @@
         <p:spPr>
           <a:xfrm>
             <a:off x="1309035" y="2530746"/>
-            <a:ext cx="1794055" cy="307777"/>
+            <a:ext cx="1087655" cy="307777"/>
           </a:xfrm>
           <a:prstGeom prst="rect">
             <a:avLst/>
@@ -9769,7 +8018,7 @@
             </a:r>
             <a:r>
               <a:rPr lang="fr-FR" sz="1400" dirty="0" err="1" smtClean="0"/>
-              <a:t>relative_detuning</a:t>
+              <a:t>Detuning</a:t>
             </a:r>
             <a:r>
               <a:rPr lang="fr-FR" sz="1400" dirty="0" smtClean="0"/>
@@ -11093,7 +9342,7 @@
         <p:spPr>
           <a:xfrm>
             <a:off x="3435161" y="2530746"/>
-            <a:ext cx="2167421" cy="307777"/>
+            <a:ext cx="1087655" cy="307777"/>
           </a:xfrm>
           <a:prstGeom prst="rect">
             <a:avLst/>
@@ -11112,11 +9361,7 @@
             </a:r>
             <a:r>
               <a:rPr lang="fr-FR" sz="1400" dirty="0" err="1" smtClean="0"/>
-              <a:t>relative_d</a:t>
-            </a:r>
-            <a:r>
-              <a:rPr lang="fr-FR" sz="1400" dirty="0" err="1" smtClean="0"/>
-              <a:t>etuning</a:t>
+              <a:t>Detuning</a:t>
             </a:r>
             <a:r>
               <a:rPr lang="fr-FR" sz="1400" dirty="0" smtClean="0"/>
@@ -12322,7 +10567,7 @@
         <p:spPr>
           <a:xfrm>
             <a:off x="956656" y="5929673"/>
-            <a:ext cx="11379723" cy="553358"/>
+            <a:ext cx="7657955" cy="553358"/>
           </a:xfrm>
           <a:prstGeom prst="rect">
             <a:avLst/>
@@ -12733,8 +10978,8 @@
         </p:nvCxnSpPr>
         <p:spPr>
           <a:xfrm flipH="1">
-            <a:off x="3048802" y="-418011"/>
-            <a:ext cx="3597715" cy="668592"/>
+            <a:off x="3048801" y="-616017"/>
+            <a:ext cx="534423" cy="866598"/>
           </a:xfrm>
           <a:prstGeom prst="straightConnector1">
             <a:avLst/>
@@ -12766,8 +11011,8 @@
         </p:nvSpPr>
         <p:spPr>
           <a:xfrm>
-            <a:off x="6740982" y="-842849"/>
-            <a:ext cx="4331520" cy="3139321"/>
+            <a:off x="3625364" y="-876557"/>
+            <a:ext cx="3954437" cy="646331"/>
           </a:xfrm>
           <a:prstGeom prst="rect">
             <a:avLst/>
@@ -12810,459 +11055,9 @@
             </a:r>
             <a:r>
               <a:rPr lang="fr-FR" dirty="0" smtClean="0"/>
-              <a:t> </a:t>
-            </a:r>
-            <a:r>
-              <a:rPr lang="fr-FR" dirty="0" smtClean="0"/>
-              <a:t>? I </a:t>
-            </a:r>
-            <a:r>
-              <a:rPr lang="fr-FR" dirty="0" err="1" smtClean="0"/>
-              <a:t>suggest</a:t>
-            </a:r>
-            <a:r>
-              <a:rPr lang="fr-FR" dirty="0" smtClean="0"/>
-              <a:t> the </a:t>
-            </a:r>
-            <a:r>
-              <a:rPr lang="fr-FR" dirty="0" err="1" smtClean="0"/>
-              <a:t>most</a:t>
-            </a:r>
-            <a:r>
-              <a:rPr lang="fr-FR" dirty="0" smtClean="0"/>
-              <a:t> </a:t>
-            </a:r>
-            <a:r>
-              <a:rPr lang="fr-FR" dirty="0" err="1" smtClean="0"/>
-              <a:t>logical</a:t>
-            </a:r>
-            <a:r>
-              <a:rPr lang="fr-FR" dirty="0" smtClean="0"/>
-              <a:t> solution </a:t>
-            </a:r>
-            <a:r>
-              <a:rPr lang="fr-FR" dirty="0" err="1" smtClean="0"/>
-              <a:t>is</a:t>
-            </a:r>
-            <a:r>
-              <a:rPr lang="fr-FR" dirty="0" smtClean="0"/>
-              <a:t> to </a:t>
-            </a:r>
-            <a:r>
-              <a:rPr lang="fr-FR" dirty="0" err="1" smtClean="0"/>
-              <a:t>list</a:t>
-            </a:r>
-            <a:r>
-              <a:rPr lang="fr-FR" dirty="0" smtClean="0"/>
-              <a:t> all </a:t>
-            </a:r>
-            <a:r>
-              <a:rPr lang="fr-FR" dirty="0" err="1" smtClean="0"/>
-              <a:t>selected</a:t>
-            </a:r>
-            <a:r>
-              <a:rPr lang="fr-FR" dirty="0" smtClean="0"/>
-              <a:t> outputs, </a:t>
-            </a:r>
-            <a:r>
-              <a:rPr lang="fr-FR" dirty="0" err="1" smtClean="0"/>
-              <a:t>with</a:t>
-            </a:r>
-            <a:r>
-              <a:rPr lang="fr-FR" dirty="0" smtClean="0"/>
-              <a:t> an </a:t>
-            </a:r>
-            <a:r>
-              <a:rPr lang="fr-FR" dirty="0" err="1" smtClean="0"/>
-              <a:t>empty</a:t>
-            </a:r>
-            <a:r>
-              <a:rPr lang="fr-FR" dirty="0" smtClean="0"/>
-              <a:t> </a:t>
-            </a:r>
-            <a:r>
-              <a:rPr lang="fr-FR" dirty="0" err="1" smtClean="0"/>
-              <a:t>list</a:t>
-            </a:r>
-            <a:r>
-              <a:rPr lang="fr-FR" dirty="0" smtClean="0"/>
-              <a:t> </a:t>
-            </a:r>
-            <a:r>
-              <a:rPr lang="fr-FR" dirty="0" err="1" smtClean="0"/>
-              <a:t>disabling</a:t>
-            </a:r>
-            <a:r>
-              <a:rPr lang="fr-FR" dirty="0" smtClean="0"/>
-              <a:t> all outputs. </a:t>
-            </a:r>
-            <a:r>
-              <a:rPr lang="fr-FR" dirty="0" err="1" smtClean="0"/>
-              <a:t>However</a:t>
-            </a:r>
-            <a:r>
-              <a:rPr lang="fr-FR" dirty="0" smtClean="0"/>
-              <a:t>, for correct default </a:t>
-            </a:r>
-            <a:r>
-              <a:rPr lang="fr-FR" dirty="0" err="1" smtClean="0"/>
-              <a:t>functionality</a:t>
-            </a:r>
-            <a:r>
-              <a:rPr lang="fr-FR" dirty="0" smtClean="0"/>
-              <a:t>, i </a:t>
-            </a:r>
-            <a:r>
-              <a:rPr lang="fr-FR" dirty="0" err="1" smtClean="0"/>
-              <a:t>suggest</a:t>
-            </a:r>
-            <a:r>
-              <a:rPr lang="fr-FR" dirty="0" smtClean="0"/>
-              <a:t> to use the keyword ‘all’ </a:t>
-            </a:r>
-            <a:r>
-              <a:rPr lang="fr-FR" dirty="0" err="1" smtClean="0"/>
-              <a:t>instead</a:t>
-            </a:r>
-            <a:r>
-              <a:rPr lang="fr-FR" dirty="0" smtClean="0"/>
-              <a:t> of a </a:t>
-            </a:r>
-            <a:r>
-              <a:rPr lang="fr-FR" dirty="0" err="1" smtClean="0"/>
-              <a:t>list</a:t>
-            </a:r>
-            <a:r>
-              <a:rPr lang="fr-FR" dirty="0" smtClean="0"/>
-              <a:t> in the config file to select all outputs by default. </a:t>
-            </a:r>
-            <a:r>
-              <a:rPr lang="fr-FR" dirty="0" err="1" smtClean="0"/>
-              <a:t>Only</a:t>
-            </a:r>
-            <a:r>
-              <a:rPr lang="fr-FR" dirty="0" smtClean="0"/>
-              <a:t> if the user </a:t>
-            </a:r>
-            <a:r>
-              <a:rPr lang="fr-FR" dirty="0" err="1" smtClean="0"/>
-              <a:t>unselects</a:t>
-            </a:r>
-            <a:r>
-              <a:rPr lang="fr-FR" dirty="0" smtClean="0"/>
-              <a:t>, </a:t>
-            </a:r>
-            <a:r>
-              <a:rPr lang="fr-FR" dirty="0" err="1" smtClean="0"/>
-              <a:t>this</a:t>
-            </a:r>
-            <a:r>
-              <a:rPr lang="fr-FR" dirty="0" smtClean="0"/>
-              <a:t> </a:t>
-            </a:r>
-            <a:r>
-              <a:rPr lang="fr-FR" dirty="0" err="1" smtClean="0"/>
-              <a:t>will</a:t>
-            </a:r>
-            <a:r>
-              <a:rPr lang="fr-FR" dirty="0" smtClean="0"/>
-              <a:t> </a:t>
-            </a:r>
-            <a:r>
-              <a:rPr lang="fr-FR" dirty="0" err="1" smtClean="0"/>
-              <a:t>overwrite</a:t>
-            </a:r>
-            <a:r>
-              <a:rPr lang="fr-FR" dirty="0" smtClean="0"/>
-              <a:t> the </a:t>
-            </a:r>
-            <a:r>
-              <a:rPr lang="fr-FR" dirty="0" err="1" smtClean="0"/>
-              <a:t>list</a:t>
-            </a:r>
-            <a:r>
-              <a:rPr lang="fr-FR" dirty="0" smtClean="0"/>
-              <a:t> of outputs in the config file. </a:t>
-            </a:r>
-            <a:r>
-              <a:rPr lang="fr-FR" dirty="0" err="1" smtClean="0"/>
-              <a:t>we</a:t>
-            </a:r>
-            <a:r>
-              <a:rPr lang="fr-FR" dirty="0" smtClean="0"/>
-              <a:t> </a:t>
-            </a:r>
-            <a:r>
-              <a:rPr lang="fr-FR" dirty="0" err="1" smtClean="0"/>
-              <a:t>can</a:t>
-            </a:r>
-            <a:r>
-              <a:rPr lang="fr-FR" dirty="0" smtClean="0"/>
-              <a:t> drop </a:t>
-            </a:r>
-            <a:r>
-              <a:rPr lang="fr-FR" dirty="0" err="1" smtClean="0"/>
-              <a:t>that</a:t>
-            </a:r>
-            <a:r>
-              <a:rPr lang="fr-FR" dirty="0" smtClean="0"/>
-              <a:t> keyword </a:t>
-            </a:r>
-            <a:r>
-              <a:rPr lang="fr-FR" dirty="0" err="1" smtClean="0"/>
-              <a:t>thing</a:t>
-            </a:r>
-            <a:r>
-              <a:rPr lang="fr-FR" dirty="0" smtClean="0"/>
-              <a:t> if </a:t>
-            </a:r>
-            <a:r>
-              <a:rPr lang="fr-FR" dirty="0" err="1" smtClean="0"/>
-              <a:t>you</a:t>
-            </a:r>
-            <a:r>
-              <a:rPr lang="fr-FR" dirty="0" smtClean="0"/>
-              <a:t> </a:t>
-            </a:r>
-            <a:r>
-              <a:rPr lang="fr-FR" dirty="0" err="1" smtClean="0"/>
-              <a:t>find</a:t>
-            </a:r>
-            <a:r>
-              <a:rPr lang="fr-FR" dirty="0" smtClean="0"/>
-              <a:t> </a:t>
-            </a:r>
-            <a:r>
-              <a:rPr lang="fr-FR" dirty="0" err="1" smtClean="0"/>
-              <a:t>it</a:t>
-            </a:r>
-            <a:r>
-              <a:rPr lang="fr-FR" dirty="0" smtClean="0"/>
-              <a:t> </a:t>
-            </a:r>
-            <a:r>
-              <a:rPr lang="fr-FR" dirty="0" err="1" smtClean="0"/>
-              <a:t>too</a:t>
-            </a:r>
-            <a:r>
-              <a:rPr lang="fr-FR" dirty="0" smtClean="0"/>
-              <a:t> </a:t>
-            </a:r>
-            <a:r>
-              <a:rPr lang="fr-FR" dirty="0" err="1" smtClean="0"/>
-              <a:t>confusing</a:t>
-            </a:r>
-            <a:r>
-              <a:rPr lang="fr-FR" dirty="0" smtClean="0"/>
-              <a:t>. </a:t>
+              <a:t> ?</a:t>
             </a:r>
             <a:endParaRPr lang="en-US" dirty="0"/>
-          </a:p>
-        </p:txBody>
-      </p:sp>
-      <p:sp>
-        <p:nvSpPr>
-          <p:cNvPr id="111" name="Rectangle 110"/>
-          <p:cNvSpPr/>
-          <p:nvPr/>
-        </p:nvSpPr>
-        <p:spPr>
-          <a:xfrm>
-            <a:off x="1317099" y="435247"/>
-            <a:ext cx="824089" cy="182880"/>
-          </a:xfrm>
-          <a:prstGeom prst="rect">
-            <a:avLst/>
-          </a:prstGeom>
-          <a:noFill/>
-        </p:spPr>
-        <p:style>
-          <a:lnRef idx="2">
-            <a:schemeClr val="accent1">
-              <a:shade val="50000"/>
-            </a:schemeClr>
-          </a:lnRef>
-          <a:fillRef idx="1">
-            <a:schemeClr val="accent1"/>
-          </a:fillRef>
-          <a:effectRef idx="0">
-            <a:schemeClr val="accent1"/>
-          </a:effectRef>
-          <a:fontRef idx="minor">
-            <a:schemeClr val="lt1"/>
-          </a:fontRef>
-        </p:style>
-        <p:txBody>
-          <a:bodyPr rtlCol="0" anchor="ctr"/>
-          <a:lstStyle/>
-          <a:p>
-            <a:pPr algn="ctr"/>
-            <a:endParaRPr lang="en-US" sz="1400"/>
-          </a:p>
-        </p:txBody>
-      </p:sp>
-      <p:sp>
-        <p:nvSpPr>
-          <p:cNvPr id="114" name="Rectangle 113"/>
-          <p:cNvSpPr/>
-          <p:nvPr/>
-        </p:nvSpPr>
-        <p:spPr>
-          <a:xfrm>
-            <a:off x="3395610" y="428085"/>
-            <a:ext cx="824089" cy="182880"/>
-          </a:xfrm>
-          <a:prstGeom prst="rect">
-            <a:avLst/>
-          </a:prstGeom>
-          <a:noFill/>
-        </p:spPr>
-        <p:style>
-          <a:lnRef idx="2">
-            <a:schemeClr val="accent1">
-              <a:shade val="50000"/>
-            </a:schemeClr>
-          </a:lnRef>
-          <a:fillRef idx="1">
-            <a:schemeClr val="accent1"/>
-          </a:fillRef>
-          <a:effectRef idx="0">
-            <a:schemeClr val="accent1"/>
-          </a:effectRef>
-          <a:fontRef idx="minor">
-            <a:schemeClr val="lt1"/>
-          </a:fontRef>
-        </p:style>
-        <p:txBody>
-          <a:bodyPr rtlCol="0" anchor="ctr"/>
-          <a:lstStyle/>
-          <a:p>
-            <a:pPr algn="ctr"/>
-            <a:endParaRPr lang="en-US" sz="1400"/>
-          </a:p>
-        </p:txBody>
-      </p:sp>
-      <p:sp>
-        <p:nvSpPr>
-          <p:cNvPr id="115" name="ZoneTexte 114"/>
-          <p:cNvSpPr txBox="1"/>
-          <p:nvPr/>
-        </p:nvSpPr>
-        <p:spPr>
-          <a:xfrm>
-            <a:off x="9474114" y="6049848"/>
-            <a:ext cx="3293145" cy="523220"/>
-          </a:xfrm>
-          <a:prstGeom prst="rect">
-            <a:avLst/>
-          </a:prstGeom>
-          <a:noFill/>
-        </p:spPr>
-        <p:txBody>
-          <a:bodyPr wrap="square" rtlCol="0">
-            <a:spAutoFit/>
-          </a:bodyPr>
-          <a:lstStyle/>
-          <a:p>
-            <a:r>
-              <a:rPr lang="en-US" sz="1400" dirty="0" smtClean="0"/>
-              <a:t>Locked/unlocked  *detuning</a:t>
-            </a:r>
-          </a:p>
-          <a:p>
-            <a:r>
-              <a:rPr lang="en-US" sz="1400" dirty="0"/>
-              <a:t>	</a:t>
-            </a:r>
-            <a:r>
-              <a:rPr lang="en-US" sz="1400" dirty="0" smtClean="0"/>
-              <a:t>	 0.1*</a:t>
-            </a:r>
-            <a:endParaRPr lang="fr-FR" sz="1400" dirty="0" smtClean="0"/>
-          </a:p>
-        </p:txBody>
-      </p:sp>
-      <p:sp>
-        <p:nvSpPr>
-          <p:cNvPr id="2" name="Ellipse 1"/>
-          <p:cNvSpPr/>
-          <p:nvPr/>
-        </p:nvSpPr>
-        <p:spPr>
-          <a:xfrm>
-            <a:off x="9061533" y="5991514"/>
-            <a:ext cx="412582" cy="415036"/>
-          </a:xfrm>
-          <a:prstGeom prst="ellipse">
-            <a:avLst/>
-          </a:prstGeom>
-          <a:solidFill>
-            <a:schemeClr val="accent6"/>
-          </a:solidFill>
-        </p:spPr>
-        <p:style>
-          <a:lnRef idx="2">
-            <a:schemeClr val="accent1">
-              <a:shade val="50000"/>
-            </a:schemeClr>
-          </a:lnRef>
-          <a:fillRef idx="1">
-            <a:schemeClr val="accent1"/>
-          </a:fillRef>
-          <a:effectRef idx="0">
-            <a:schemeClr val="accent1"/>
-          </a:effectRef>
-          <a:fontRef idx="minor">
-            <a:schemeClr val="lt1"/>
-          </a:fontRef>
-        </p:style>
-        <p:txBody>
-          <a:bodyPr rtlCol="0" anchor="ctr"/>
-          <a:lstStyle/>
-          <a:p>
-            <a:pPr algn="ctr"/>
-            <a:endParaRPr lang="fr-FR"/>
-          </a:p>
-        </p:txBody>
-      </p:sp>
-      <p:sp>
-        <p:nvSpPr>
-          <p:cNvPr id="116" name="Rectangle 115"/>
-          <p:cNvSpPr/>
-          <p:nvPr/>
-        </p:nvSpPr>
-        <p:spPr>
-          <a:xfrm>
-            <a:off x="11676038" y="6058947"/>
-            <a:ext cx="515962" cy="424084"/>
-          </a:xfrm>
-          <a:prstGeom prst="rect">
-            <a:avLst/>
-          </a:prstGeom>
-          <a:noFill/>
-        </p:spPr>
-        <p:style>
-          <a:lnRef idx="2">
-            <a:schemeClr val="accent1">
-              <a:shade val="50000"/>
-            </a:schemeClr>
-          </a:lnRef>
-          <a:fillRef idx="1">
-            <a:schemeClr val="accent1"/>
-          </a:fillRef>
-          <a:effectRef idx="0">
-            <a:schemeClr val="accent1"/>
-          </a:effectRef>
-          <a:fontRef idx="minor">
-            <a:schemeClr val="lt1"/>
-          </a:fontRef>
-        </p:style>
-        <p:txBody>
-          <a:bodyPr rtlCol="0" anchor="ctr"/>
-          <a:lstStyle/>
-          <a:p>
-            <a:pPr algn="ctr"/>
-            <a:endParaRPr lang="en-US" sz="1400"/>
           </a:p>
         </p:txBody>
       </p:sp>
@@ -13534,293 +11329,8 @@
   <a:extraClrSchemeLst/>
   <a:extLst>
     <a:ext uri="{05A4C25C-085E-4340-85A3-A5531E510DB2}">
-      <thm15:themeFamily xmlns:thm15="http://schemas.microsoft.com/office/thememl/2012/main" xmlns="" name="Office Theme" id="{62F939B6-93AF-4DB8-9C6B-D6C7DFDC589F}" vid="{4A3C46E8-61CC-4603-A589-7422A47A8E4A}"/>
+      <thm15:themeFamily xmlns:thm15="http://schemas.microsoft.com/office/thememl/2012/main" name="Office Theme" id="{62F939B6-93AF-4DB8-9C6B-D6C7DFDC589F}" vid="{4A3C46E8-61CC-4603-A589-7422A47A8E4A}"/>
     </a:ext>
   </a:extLst>
 </a:theme>
-</file>
-
-<file path=ppt/theme/theme2.xml><?xml version="1.0" encoding="utf-8"?>
-<a:theme xmlns:a="http://schemas.openxmlformats.org/drawingml/2006/main" name="Thème Office">
-  <a:themeElements>
-    <a:clrScheme name="Office">
-      <a:dk1>
-        <a:sysClr val="windowText" lastClr="000000"/>
-      </a:dk1>
-      <a:lt1>
-        <a:sysClr val="window" lastClr="FFFFFF"/>
-      </a:lt1>
-      <a:dk2>
-        <a:srgbClr val="1F497D"/>
-      </a:dk2>
-      <a:lt2>
-        <a:srgbClr val="EEECE1"/>
-      </a:lt2>
-      <a:accent1>
-        <a:srgbClr val="4F81BD"/>
-      </a:accent1>
-      <a:accent2>
-        <a:srgbClr val="C0504D"/>
-      </a:accent2>
-      <a:accent3>
-        <a:srgbClr val="9BBB59"/>
-      </a:accent3>
-      <a:accent4>
-        <a:srgbClr val="8064A2"/>
-      </a:accent4>
-      <a:accent5>
-        <a:srgbClr val="4BACC6"/>
-      </a:accent5>
-      <a:accent6>
-        <a:srgbClr val="F79646"/>
-      </a:accent6>
-      <a:hlink>
-        <a:srgbClr val="0000FF"/>
-      </a:hlink>
-      <a:folHlink>
-        <a:srgbClr val="800080"/>
-      </a:folHlink>
-    </a:clrScheme>
-    <a:fontScheme name="Office">
-      <a:majorFont>
-        <a:latin typeface="Calibri"/>
-        <a:ea typeface=""/>
-        <a:cs typeface=""/>
-        <a:font script="Jpan" typeface="ＭＳ Ｐゴシック"/>
-        <a:font script="Hang" typeface="맑은 고딕"/>
-        <a:font script="Hans" typeface="宋体"/>
-        <a:font script="Hant" typeface="新細明體"/>
-        <a:font script="Arab" typeface="Times New Roman"/>
-        <a:font script="Hebr" typeface="Times New Roman"/>
-        <a:font script="Thai" typeface="Angsana New"/>
-        <a:font script="Ethi" typeface="Nyala"/>
-        <a:font script="Beng" typeface="Vrinda"/>
-        <a:font script="Gujr" typeface="Shruti"/>
-        <a:font script="Khmr" typeface="MoolBoran"/>
-        <a:font script="Knda" typeface="Tunga"/>
-        <a:font script="Guru" typeface="Raavi"/>
-        <a:font script="Cans" typeface="Euphemia"/>
-        <a:font script="Cher" typeface="Plantagenet Cherokee"/>
-        <a:font script="Yiii" typeface="Microsoft Yi Baiti"/>
-        <a:font script="Tibt" typeface="Microsoft Himalaya"/>
-        <a:font script="Thaa" typeface="MV Boli"/>
-        <a:font script="Deva" typeface="Mangal"/>
-        <a:font script="Telu" typeface="Gautami"/>
-        <a:font script="Taml" typeface="Latha"/>
-        <a:font script="Syrc" typeface="Estrangelo Edessa"/>
-        <a:font script="Orya" typeface="Kalinga"/>
-        <a:font script="Mlym" typeface="Kartika"/>
-        <a:font script="Laoo" typeface="DokChampa"/>
-        <a:font script="Sinh" typeface="Iskoola Pota"/>
-        <a:font script="Mong" typeface="Mongolian Baiti"/>
-        <a:font script="Viet" typeface="Times New Roman"/>
-        <a:font script="Uigh" typeface="Microsoft Uighur"/>
-        <a:font script="Geor" typeface="Sylfaen"/>
-      </a:majorFont>
-      <a:minorFont>
-        <a:latin typeface="Calibri"/>
-        <a:ea typeface=""/>
-        <a:cs typeface=""/>
-        <a:font script="Jpan" typeface="ＭＳ Ｐゴシック"/>
-        <a:font script="Hang" typeface="맑은 고딕"/>
-        <a:font script="Hans" typeface="宋体"/>
-        <a:font script="Hant" typeface="新細明體"/>
-        <a:font script="Arab" typeface="Arial"/>
-        <a:font script="Hebr" typeface="Arial"/>
-        <a:font script="Thai" typeface="Cordia New"/>
-        <a:font script="Ethi" typeface="Nyala"/>
-        <a:font script="Beng" typeface="Vrinda"/>
-        <a:font script="Gujr" typeface="Shruti"/>
-        <a:font script="Khmr" typeface="DaunPenh"/>
-        <a:font script="Knda" typeface="Tunga"/>
-        <a:font script="Guru" typeface="Raavi"/>
-        <a:font script="Cans" typeface="Euphemia"/>
-        <a:font script="Cher" typeface="Plantagenet Cherokee"/>
-        <a:font script="Yiii" typeface="Microsoft Yi Baiti"/>
-        <a:font script="Tibt" typeface="Microsoft Himalaya"/>
-        <a:font script="Thaa" typeface="MV Boli"/>
-        <a:font script="Deva" typeface="Mangal"/>
-        <a:font script="Telu" typeface="Gautami"/>
-        <a:font script="Taml" typeface="Latha"/>
-        <a:font script="Syrc" typeface="Estrangelo Edessa"/>
-        <a:font script="Orya" typeface="Kalinga"/>
-        <a:font script="Mlym" typeface="Kartika"/>
-        <a:font script="Laoo" typeface="DokChampa"/>
-        <a:font script="Sinh" typeface="Iskoola Pota"/>
-        <a:font script="Mong" typeface="Mongolian Baiti"/>
-        <a:font script="Viet" typeface="Arial"/>
-        <a:font script="Uigh" typeface="Microsoft Uighur"/>
-        <a:font script="Geor" typeface="Sylfaen"/>
-      </a:minorFont>
-    </a:fontScheme>
-    <a:fmtScheme name="Office">
-      <a:fillStyleLst>
-        <a:solidFill>
-          <a:schemeClr val="phClr"/>
-        </a:solidFill>
-        <a:gradFill rotWithShape="1">
-          <a:gsLst>
-            <a:gs pos="0">
-              <a:schemeClr val="phClr">
-                <a:tint val="50000"/>
-                <a:satMod val="300000"/>
-              </a:schemeClr>
-            </a:gs>
-            <a:gs pos="35000">
-              <a:schemeClr val="phClr">
-                <a:tint val="37000"/>
-                <a:satMod val="300000"/>
-              </a:schemeClr>
-            </a:gs>
-            <a:gs pos="100000">
-              <a:schemeClr val="phClr">
-                <a:tint val="15000"/>
-                <a:satMod val="350000"/>
-              </a:schemeClr>
-            </a:gs>
-          </a:gsLst>
-          <a:lin ang="16200000" scaled="1"/>
-        </a:gradFill>
-        <a:gradFill rotWithShape="1">
-          <a:gsLst>
-            <a:gs pos="0">
-              <a:schemeClr val="phClr">
-                <a:shade val="51000"/>
-                <a:satMod val="130000"/>
-              </a:schemeClr>
-            </a:gs>
-            <a:gs pos="80000">
-              <a:schemeClr val="phClr">
-                <a:shade val="93000"/>
-                <a:satMod val="130000"/>
-              </a:schemeClr>
-            </a:gs>
-            <a:gs pos="100000">
-              <a:schemeClr val="phClr">
-                <a:shade val="94000"/>
-                <a:satMod val="135000"/>
-              </a:schemeClr>
-            </a:gs>
-          </a:gsLst>
-          <a:lin ang="16200000" scaled="0"/>
-        </a:gradFill>
-      </a:fillStyleLst>
-      <a:lnStyleLst>
-        <a:ln w="9525" cap="flat" cmpd="sng" algn="ctr">
-          <a:solidFill>
-            <a:schemeClr val="phClr">
-              <a:shade val="95000"/>
-              <a:satMod val="105000"/>
-            </a:schemeClr>
-          </a:solidFill>
-          <a:prstDash val="solid"/>
-        </a:ln>
-        <a:ln w="25400" cap="flat" cmpd="sng" algn="ctr">
-          <a:solidFill>
-            <a:schemeClr val="phClr"/>
-          </a:solidFill>
-          <a:prstDash val="solid"/>
-        </a:ln>
-        <a:ln w="38100" cap="flat" cmpd="sng" algn="ctr">
-          <a:solidFill>
-            <a:schemeClr val="phClr"/>
-          </a:solidFill>
-          <a:prstDash val="solid"/>
-        </a:ln>
-      </a:lnStyleLst>
-      <a:effectStyleLst>
-        <a:effectStyle>
-          <a:effectLst>
-            <a:outerShdw blurRad="40000" dist="20000" dir="5400000" rotWithShape="0">
-              <a:srgbClr val="000000">
-                <a:alpha val="38000"/>
-              </a:srgbClr>
-            </a:outerShdw>
-          </a:effectLst>
-        </a:effectStyle>
-        <a:effectStyle>
-          <a:effectLst>
-            <a:outerShdw blurRad="40000" dist="23000" dir="5400000" rotWithShape="0">
-              <a:srgbClr val="000000">
-                <a:alpha val="35000"/>
-              </a:srgbClr>
-            </a:outerShdw>
-          </a:effectLst>
-        </a:effectStyle>
-        <a:effectStyle>
-          <a:effectLst>
-            <a:outerShdw blurRad="40000" dist="23000" dir="5400000" rotWithShape="0">
-              <a:srgbClr val="000000">
-                <a:alpha val="35000"/>
-              </a:srgbClr>
-            </a:outerShdw>
-          </a:effectLst>
-          <a:scene3d>
-            <a:camera prst="orthographicFront">
-              <a:rot lat="0" lon="0" rev="0"/>
-            </a:camera>
-            <a:lightRig rig="threePt" dir="t">
-              <a:rot lat="0" lon="0" rev="1200000"/>
-            </a:lightRig>
-          </a:scene3d>
-          <a:sp3d>
-            <a:bevelT w="63500" h="25400"/>
-          </a:sp3d>
-        </a:effectStyle>
-      </a:effectStyleLst>
-      <a:bgFillStyleLst>
-        <a:solidFill>
-          <a:schemeClr val="phClr"/>
-        </a:solidFill>
-        <a:gradFill rotWithShape="1">
-          <a:gsLst>
-            <a:gs pos="0">
-              <a:schemeClr val="phClr">
-                <a:tint val="40000"/>
-                <a:satMod val="350000"/>
-              </a:schemeClr>
-            </a:gs>
-            <a:gs pos="40000">
-              <a:schemeClr val="phClr">
-                <a:tint val="45000"/>
-                <a:shade val="99000"/>
-                <a:satMod val="350000"/>
-              </a:schemeClr>
-            </a:gs>
-            <a:gs pos="100000">
-              <a:schemeClr val="phClr">
-                <a:shade val="20000"/>
-                <a:satMod val="255000"/>
-              </a:schemeClr>
-            </a:gs>
-          </a:gsLst>
-          <a:path path="circle">
-            <a:fillToRect l="50000" t="-80000" r="50000" b="180000"/>
-          </a:path>
-        </a:gradFill>
-        <a:gradFill rotWithShape="1">
-          <a:gsLst>
-            <a:gs pos="0">
-              <a:schemeClr val="phClr">
-                <a:tint val="80000"/>
-                <a:satMod val="300000"/>
-              </a:schemeClr>
-            </a:gs>
-            <a:gs pos="100000">
-              <a:schemeClr val="phClr">
-                <a:shade val="30000"/>
-                <a:satMod val="200000"/>
-              </a:schemeClr>
-            </a:gs>
-          </a:gsLst>
-          <a:path path="circle">
-            <a:fillToRect l="50000" t="50000" r="50000" b="50000"/>
-          </a:path>
-        </a:gradFill>
-      </a:bgFillStyleLst>
-    </a:fmtScheme>
-  </a:themeElements>
-  <a:objectDefaults/>
-  <a:extraClrSchemeLst/>
-</a:theme>
 </file>